--- a/FP200OK01.pptx
+++ b/FP200OK01.pptx
@@ -30,7 +30,7 @@
       <p:boldItalic r:id="rId16"/>
     </p:embeddedFont>
     <p:embeddedFont>
-      <p:font typeface="Exo" panose="020B0604020202020204" charset="0"/>
+      <p:font typeface="Exo" pitchFamily="2" charset="0"/>
       <p:regular r:id="rId17"/>
       <p:bold r:id="rId18"/>
       <p:italic r:id="rId19"/>
@@ -44,7 +44,7 @@
       <p:boldItalic r:id="rId24"/>
     </p:embeddedFont>
     <p:embeddedFont>
-      <p:font typeface="Roboto Condensed Light" panose="02000000000000000000" pitchFamily="2" charset="0"/>
+      <p:font typeface="Roboto Condensed Light" panose="020F0302020204030204" pitchFamily="34" charset="0"/>
       <p:regular r:id="rId25"/>
       <p:italic r:id="rId26"/>
     </p:embeddedFont>
@@ -278,6 +278,11 @@
       </a:defRPr>
     </a:lvl9pPr>
   </p:defaultTextStyle>
+  <p:extLst>
+    <p:ext uri="{EFAFB233-063F-42B5-8137-9DF3F51BA10A}">
+      <p15:sldGuideLst xmlns:p15="http://schemas.microsoft.com/office/powerpoint/2012/main"/>
+    </p:ext>
+  </p:extLst>
 </p:presentation>
 </file>
 
@@ -35271,8 +35276,63 @@
                 <a:latin typeface="Arial" panose="020B0604020202020204" pitchFamily="34" charset="0"/>
                 <a:ea typeface="PMingLiU" panose="02020500000000000000" pitchFamily="18" charset="-120"/>
               </a:rPr>
-              <a:t>Most useful: TBD</a:t>
+              <a:t>Most useful: LINQ &amp; </a:t>
             </a:r>
+            <a:r>
+              <a:rPr lang="en-US" sz="1800">
+                <a:latin typeface="Arial" panose="020B0604020202020204" pitchFamily="34" charset="0"/>
+                <a:ea typeface="PMingLiU" panose="02020500000000000000" pitchFamily="18" charset="-120"/>
+              </a:rPr>
+              <a:t>EF Core</a:t>
+            </a:r>
+          </a:p>
+          <a:p>
+            <a:pPr marL="0" lvl="0" indent="0" algn="l" rtl="0">
+              <a:spcBef>
+                <a:spcPts val="0"/>
+              </a:spcBef>
+              <a:spcAft>
+                <a:spcPts val="0"/>
+              </a:spcAft>
+              <a:buClr>
+                <a:schemeClr val="bg1"/>
+              </a:buClr>
+              <a:buSzPts val="1100"/>
+              <a:buNone/>
+            </a:pPr>
+            <a:endParaRPr lang="en-US" sz="1800" dirty="0">
+              <a:latin typeface="Arial" panose="020B0604020202020204" pitchFamily="34" charset="0"/>
+              <a:ea typeface="PMingLiU" panose="02020500000000000000" pitchFamily="18" charset="-120"/>
+            </a:endParaRPr>
+          </a:p>
+          <a:p>
+            <a:pPr marL="171450" lvl="0" indent="-171450">
+              <a:buClr>
+                <a:schemeClr val="bg1"/>
+              </a:buClr>
+              <a:buSzPts val="1100"/>
+              <a:buFont typeface="Arial" panose="020B0604020202020204" pitchFamily="34" charset="0"/>
+              <a:buChar char="•"/>
+            </a:pPr>
+            <a:r>
+              <a:rPr lang="en-US" sz="1800" dirty="0">
+                <a:latin typeface="Arial" panose="020B0604020202020204" pitchFamily="34" charset="0"/>
+                <a:ea typeface="PMingLiU" panose="02020500000000000000" pitchFamily="18" charset="-120"/>
+              </a:rPr>
+              <a:t>Least useful: </a:t>
+            </a:r>
+            <a:r>
+              <a:rPr lang="en-US" sz="1800" dirty="0" err="1"/>
+              <a:t>ADO.net</a:t>
+            </a:r>
+            <a:r>
+              <a:rPr lang="en-US" sz="1800" dirty="0"/>
+              <a:t> Connected Layer </a:t>
+            </a:r>
+            <a:endParaRPr lang="en-US" sz="1800" dirty="0">
+              <a:latin typeface="Arial" panose="020B0604020202020204" pitchFamily="34" charset="0"/>
+              <a:ea typeface="PMingLiU" panose="02020500000000000000" pitchFamily="18" charset="-120"/>
+            </a:endParaRPr>
           </a:p>
           <a:p>
             <a:pPr marL="171450" lvl="0" indent="-171450" algn="l" rtl="0">
@@ -35314,7 +35374,7 @@
                 <a:latin typeface="Arial" panose="020B0604020202020204" pitchFamily="34" charset="0"/>
                 <a:ea typeface="PMingLiU" panose="02020500000000000000" pitchFamily="18" charset="-120"/>
               </a:rPr>
-              <a:t>Least useful: TBD</a:t>
+              <a:t>One topic add: Web applications </a:t>
             </a:r>
           </a:p>
           <a:p>
@@ -35338,13 +35398,7 @@
             </a:endParaRPr>
           </a:p>
           <a:p>
-            <a:pPr marL="171450" lvl="0" indent="-171450" algn="l" rtl="0">
-              <a:spcBef>
-                <a:spcPts val="0"/>
-              </a:spcBef>
-              <a:spcAft>
-                <a:spcPts val="0"/>
-              </a:spcAft>
+            <a:pPr marL="171450" lvl="0" indent="-171450">
               <a:buClr>
                 <a:schemeClr val="bg1"/>
               </a:buClr>
@@ -35357,51 +35411,20 @@
                 <a:latin typeface="Arial" panose="020B0604020202020204" pitchFamily="34" charset="0"/>
                 <a:ea typeface="PMingLiU" panose="02020500000000000000" pitchFamily="18" charset="-120"/>
               </a:rPr>
-              <a:t>One topic add: TBD</a:t>
+              <a:t>On topic remove: </a:t>
             </a:r>
-          </a:p>
-          <a:p>
-            <a:pPr marL="171450" lvl="0" indent="-171450" algn="l" rtl="0">
-              <a:spcBef>
-                <a:spcPts val="0"/>
-              </a:spcBef>
-              <a:spcAft>
-                <a:spcPts val="0"/>
-              </a:spcAft>
-              <a:buClr>
-                <a:schemeClr val="bg1"/>
-              </a:buClr>
-              <a:buSzPts val="1100"/>
-              <a:buFont typeface="Arial" panose="020B0604020202020204" pitchFamily="34" charset="0"/>
-              <a:buChar char="•"/>
-            </a:pPr>
+            <a:r>
+              <a:rPr lang="en-US" sz="1800" dirty="0" err="1"/>
+              <a:t>ADO.net</a:t>
+            </a:r>
+            <a:r>
+              <a:rPr lang="en-US" sz="1800" dirty="0"/>
+              <a:t> Connected Layer </a:t>
+            </a:r>
             <a:endParaRPr lang="en-US" sz="1800" dirty="0">
               <a:latin typeface="Arial" panose="020B0604020202020204" pitchFamily="34" charset="0"/>
               <a:ea typeface="PMingLiU" panose="02020500000000000000" pitchFamily="18" charset="-120"/>
             </a:endParaRPr>
-          </a:p>
-          <a:p>
-            <a:pPr marL="171450" lvl="0" indent="-171450" algn="l" rtl="0">
-              <a:spcBef>
-                <a:spcPts val="0"/>
-              </a:spcBef>
-              <a:spcAft>
-                <a:spcPts val="0"/>
-              </a:spcAft>
-              <a:buClr>
-                <a:schemeClr val="bg1"/>
-              </a:buClr>
-              <a:buSzPts val="1100"/>
-              <a:buFont typeface="Arial" panose="020B0604020202020204" pitchFamily="34" charset="0"/>
-              <a:buChar char="•"/>
-            </a:pPr>
-            <a:r>
-              <a:rPr lang="en-US" sz="1800" dirty="0">
-                <a:latin typeface="Arial" panose="020B0604020202020204" pitchFamily="34" charset="0"/>
-                <a:ea typeface="PMingLiU" panose="02020500000000000000" pitchFamily="18" charset="-120"/>
-              </a:rPr>
-              <a:t>On topic remove: TBD</a:t>
-            </a:r>
           </a:p>
           <a:p>
             <a:pPr marL="171450" lvl="0" indent="-171450" algn="l" rtl="0">

--- a/FP200OK01.pptx
+++ b/FP200OK01.pptx
@@ -5,7 +5,7 @@
     <p:sldMasterId id="2147483678" r:id="rId1"/>
   </p:sldMasterIdLst>
   <p:notesMasterIdLst>
-    <p:notesMasterId r:id="rId12"/>
+    <p:notesMasterId r:id="rId14"/>
   </p:notesMasterIdLst>
   <p:sldIdLst>
     <p:sldId id="256" r:id="rId2"/>
@@ -14,39 +14,41 @@
     <p:sldId id="315" r:id="rId5"/>
     <p:sldId id="316" r:id="rId6"/>
     <p:sldId id="317" r:id="rId7"/>
-    <p:sldId id="318" r:id="rId8"/>
-    <p:sldId id="319" r:id="rId9"/>
-    <p:sldId id="321" r:id="rId10"/>
-    <p:sldId id="320" r:id="rId11"/>
+    <p:sldId id="323" r:id="rId8"/>
+    <p:sldId id="322" r:id="rId9"/>
+    <p:sldId id="318" r:id="rId10"/>
+    <p:sldId id="319" r:id="rId11"/>
+    <p:sldId id="321" r:id="rId12"/>
+    <p:sldId id="320" r:id="rId13"/>
   </p:sldIdLst>
   <p:sldSz cx="9144000" cy="5143500" type="screen16x9"/>
   <p:notesSz cx="6858000" cy="9144000"/>
   <p:embeddedFontLst>
     <p:embeddedFont>
       <p:font typeface="Calibri" panose="020F0502020204030204" pitchFamily="34" charset="0"/>
-      <p:regular r:id="rId13"/>
-      <p:bold r:id="rId14"/>
-      <p:italic r:id="rId15"/>
-      <p:boldItalic r:id="rId16"/>
+      <p:regular r:id="rId15"/>
+      <p:bold r:id="rId16"/>
+      <p:italic r:id="rId17"/>
+      <p:boldItalic r:id="rId18"/>
     </p:embeddedFont>
     <p:embeddedFont>
-      <p:font typeface="Exo" pitchFamily="2" charset="0"/>
-      <p:regular r:id="rId17"/>
-      <p:bold r:id="rId18"/>
-      <p:italic r:id="rId19"/>
-      <p:boldItalic r:id="rId20"/>
+      <p:font typeface="Exo" panose="020B0604020202020204" charset="0"/>
+      <p:regular r:id="rId19"/>
+      <p:bold r:id="rId20"/>
+      <p:italic r:id="rId21"/>
+      <p:boldItalic r:id="rId22"/>
     </p:embeddedFont>
     <p:embeddedFont>
       <p:font typeface="PT Sans" panose="020B0503020203020204" pitchFamily="34" charset="0"/>
-      <p:regular r:id="rId21"/>
-      <p:bold r:id="rId22"/>
-      <p:italic r:id="rId23"/>
-      <p:boldItalic r:id="rId24"/>
+      <p:regular r:id="rId23"/>
+      <p:bold r:id="rId24"/>
+      <p:italic r:id="rId25"/>
+      <p:boldItalic r:id="rId26"/>
     </p:embeddedFont>
     <p:embeddedFont>
-      <p:font typeface="Roboto Condensed Light" panose="020F0302020204030204" pitchFamily="34" charset="0"/>
-      <p:regular r:id="rId25"/>
-      <p:italic r:id="rId26"/>
+      <p:font typeface="Roboto Condensed Light" panose="02000000000000000000" pitchFamily="2" charset="0"/>
+      <p:regular r:id="rId27"/>
+      <p:italic r:id="rId28"/>
     </p:embeddedFont>
   </p:embeddedFontLst>
   <p:defaultTextStyle>
@@ -28520,6 +28522,1814 @@
           <a:chExt cx="0" cy="0"/>
         </a:xfrm>
       </p:grpSpPr>
+      <p:sp>
+        <p:nvSpPr>
+          <p:cNvPr id="2724" name="Google Shape;2724;p34"/>
+          <p:cNvSpPr txBox="1">
+            <a:spLocks noGrp="1"/>
+          </p:cNvSpPr>
+          <p:nvPr>
+            <p:ph type="title"/>
+          </p:nvPr>
+        </p:nvSpPr>
+        <p:spPr>
+          <a:xfrm>
+            <a:off x="713100" y="539400"/>
+            <a:ext cx="7717800" cy="572700"/>
+          </a:xfrm>
+          <a:prstGeom prst="rect">
+            <a:avLst/>
+          </a:prstGeom>
+          <a:effectLst>
+            <a:outerShdw blurRad="142875" algn="bl" rotWithShape="0">
+              <a:schemeClr val="accent2">
+                <a:alpha val="40000"/>
+              </a:schemeClr>
+            </a:outerShdw>
+          </a:effectLst>
+        </p:spPr>
+        <p:txBody>
+          <a:bodyPr spcFirstLastPara="1" wrap="square" lIns="91425" tIns="91425" rIns="91425" bIns="91425" anchor="ctr" anchorCtr="0">
+            <a:noAutofit/>
+          </a:bodyPr>
+          <a:lstStyle/>
+          <a:p>
+            <a:pPr marL="0" lvl="0" indent="0" algn="l" rtl="0">
+              <a:spcBef>
+                <a:spcPts val="0"/>
+              </a:spcBef>
+              <a:spcAft>
+                <a:spcPts val="0"/>
+              </a:spcAft>
+              <a:buNone/>
+            </a:pPr>
+            <a:r>
+              <a:rPr lang="en" sz="2800" dirty="0">
+                <a:solidFill>
+                  <a:schemeClr val="accent2"/>
+                </a:solidFill>
+              </a:rPr>
+              <a:t>Conclusion – Iana</a:t>
+            </a:r>
+            <a:endParaRPr sz="2800" dirty="0">
+              <a:solidFill>
+                <a:schemeClr val="accent2"/>
+              </a:solidFill>
+            </a:endParaRPr>
+          </a:p>
+        </p:txBody>
+      </p:sp>
+      <p:sp>
+        <p:nvSpPr>
+          <p:cNvPr id="2725" name="Google Shape;2725;p34"/>
+          <p:cNvSpPr txBox="1">
+            <a:spLocks noGrp="1"/>
+          </p:cNvSpPr>
+          <p:nvPr>
+            <p:ph type="body" idx="1"/>
+          </p:nvPr>
+        </p:nvSpPr>
+        <p:spPr>
+          <a:xfrm>
+            <a:off x="713100" y="1187700"/>
+            <a:ext cx="7717800" cy="3416400"/>
+          </a:xfrm>
+          <a:prstGeom prst="rect">
+            <a:avLst/>
+          </a:prstGeom>
+        </p:spPr>
+        <p:txBody>
+          <a:bodyPr spcFirstLastPara="1" wrap="square" lIns="91425" tIns="91425" rIns="91425" bIns="91425" anchor="t" anchorCtr="0">
+            <a:noAutofit/>
+          </a:bodyPr>
+          <a:lstStyle/>
+          <a:p>
+            <a:pPr marL="171450" lvl="0" indent="-171450" algn="l" rtl="0">
+              <a:spcBef>
+                <a:spcPts val="0"/>
+              </a:spcBef>
+              <a:spcAft>
+                <a:spcPts val="0"/>
+              </a:spcAft>
+              <a:buClr>
+                <a:schemeClr val="bg1"/>
+              </a:buClr>
+              <a:buSzPts val="1100"/>
+              <a:buFont typeface="Arial" panose="020B0604020202020204" pitchFamily="34" charset="0"/>
+              <a:buChar char="•"/>
+            </a:pPr>
+            <a:r>
+              <a:rPr lang="en-US" sz="1800" dirty="0">
+                <a:latin typeface="Arial" panose="020B0604020202020204" pitchFamily="34" charset="0"/>
+                <a:ea typeface="PMingLiU" panose="02020500000000000000" pitchFamily="18" charset="-120"/>
+              </a:rPr>
+              <a:t>Most useful: LINQ &amp; </a:t>
+            </a:r>
+            <a:r>
+              <a:rPr lang="en-US" sz="1800">
+                <a:latin typeface="Arial" panose="020B0604020202020204" pitchFamily="34" charset="0"/>
+                <a:ea typeface="PMingLiU" panose="02020500000000000000" pitchFamily="18" charset="-120"/>
+              </a:rPr>
+              <a:t>EF Core</a:t>
+            </a:r>
+          </a:p>
+          <a:p>
+            <a:pPr marL="0" lvl="0" indent="0" algn="l" rtl="0">
+              <a:spcBef>
+                <a:spcPts val="0"/>
+              </a:spcBef>
+              <a:spcAft>
+                <a:spcPts val="0"/>
+              </a:spcAft>
+              <a:buClr>
+                <a:schemeClr val="bg1"/>
+              </a:buClr>
+              <a:buSzPts val="1100"/>
+              <a:buNone/>
+            </a:pPr>
+            <a:endParaRPr lang="en-US" sz="1800" dirty="0">
+              <a:latin typeface="Arial" panose="020B0604020202020204" pitchFamily="34" charset="0"/>
+              <a:ea typeface="PMingLiU" panose="02020500000000000000" pitchFamily="18" charset="-120"/>
+            </a:endParaRPr>
+          </a:p>
+          <a:p>
+            <a:pPr marL="171450" lvl="0" indent="-171450">
+              <a:buClr>
+                <a:schemeClr val="bg1"/>
+              </a:buClr>
+              <a:buSzPts val="1100"/>
+              <a:buFont typeface="Arial" panose="020B0604020202020204" pitchFamily="34" charset="0"/>
+              <a:buChar char="•"/>
+            </a:pPr>
+            <a:r>
+              <a:rPr lang="en-US" sz="1800" dirty="0">
+                <a:latin typeface="Arial" panose="020B0604020202020204" pitchFamily="34" charset="0"/>
+                <a:ea typeface="PMingLiU" panose="02020500000000000000" pitchFamily="18" charset="-120"/>
+              </a:rPr>
+              <a:t>Least useful: </a:t>
+            </a:r>
+            <a:r>
+              <a:rPr lang="en-US" sz="1800" dirty="0" err="1"/>
+              <a:t>ADO.net</a:t>
+            </a:r>
+            <a:r>
+              <a:rPr lang="en-US" sz="1800" dirty="0"/>
+              <a:t> Connected Layer </a:t>
+            </a:r>
+            <a:endParaRPr lang="en-US" sz="1800" dirty="0">
+              <a:latin typeface="Arial" panose="020B0604020202020204" pitchFamily="34" charset="0"/>
+              <a:ea typeface="PMingLiU" panose="02020500000000000000" pitchFamily="18" charset="-120"/>
+            </a:endParaRPr>
+          </a:p>
+          <a:p>
+            <a:pPr marL="171450" lvl="0" indent="-171450" algn="l" rtl="0">
+              <a:spcBef>
+                <a:spcPts val="0"/>
+              </a:spcBef>
+              <a:spcAft>
+                <a:spcPts val="0"/>
+              </a:spcAft>
+              <a:buClr>
+                <a:schemeClr val="bg1"/>
+              </a:buClr>
+              <a:buSzPts val="1100"/>
+              <a:buFont typeface="Arial" panose="020B0604020202020204" pitchFamily="34" charset="0"/>
+              <a:buChar char="•"/>
+            </a:pPr>
+            <a:endParaRPr lang="en-US" sz="1800" dirty="0">
+              <a:latin typeface="Arial" panose="020B0604020202020204" pitchFamily="34" charset="0"/>
+              <a:ea typeface="PMingLiU" panose="02020500000000000000" pitchFamily="18" charset="-120"/>
+            </a:endParaRPr>
+          </a:p>
+          <a:p>
+            <a:pPr marL="171450" lvl="0" indent="-171450" algn="l" rtl="0">
+              <a:spcBef>
+                <a:spcPts val="0"/>
+              </a:spcBef>
+              <a:spcAft>
+                <a:spcPts val="0"/>
+              </a:spcAft>
+              <a:buClr>
+                <a:schemeClr val="bg1"/>
+              </a:buClr>
+              <a:buSzPts val="1100"/>
+              <a:buFont typeface="Arial" panose="020B0604020202020204" pitchFamily="34" charset="0"/>
+              <a:buChar char="•"/>
+            </a:pPr>
+            <a:r>
+              <a:rPr lang="en-US" sz="1800" dirty="0">
+                <a:latin typeface="Arial" panose="020B0604020202020204" pitchFamily="34" charset="0"/>
+                <a:ea typeface="PMingLiU" panose="02020500000000000000" pitchFamily="18" charset="-120"/>
+              </a:rPr>
+              <a:t>One topic add: Web applications </a:t>
+            </a:r>
+          </a:p>
+          <a:p>
+            <a:pPr marL="171450" lvl="0" indent="-171450" algn="l" rtl="0">
+              <a:spcBef>
+                <a:spcPts val="0"/>
+              </a:spcBef>
+              <a:spcAft>
+                <a:spcPts val="0"/>
+              </a:spcAft>
+              <a:buClr>
+                <a:schemeClr val="bg1"/>
+              </a:buClr>
+              <a:buSzPts val="1100"/>
+              <a:buFont typeface="Arial" panose="020B0604020202020204" pitchFamily="34" charset="0"/>
+              <a:buChar char="•"/>
+            </a:pPr>
+            <a:endParaRPr lang="en-US" sz="1800" dirty="0">
+              <a:latin typeface="Arial" panose="020B0604020202020204" pitchFamily="34" charset="0"/>
+              <a:ea typeface="PMingLiU" panose="02020500000000000000" pitchFamily="18" charset="-120"/>
+            </a:endParaRPr>
+          </a:p>
+          <a:p>
+            <a:pPr marL="171450" lvl="0" indent="-171450">
+              <a:buClr>
+                <a:schemeClr val="bg1"/>
+              </a:buClr>
+              <a:buSzPts val="1100"/>
+              <a:buFont typeface="Arial" panose="020B0604020202020204" pitchFamily="34" charset="0"/>
+              <a:buChar char="•"/>
+            </a:pPr>
+            <a:r>
+              <a:rPr lang="en-US" sz="1800" dirty="0">
+                <a:latin typeface="Arial" panose="020B0604020202020204" pitchFamily="34" charset="0"/>
+                <a:ea typeface="PMingLiU" panose="02020500000000000000" pitchFamily="18" charset="-120"/>
+              </a:rPr>
+              <a:t>On topic remove: </a:t>
+            </a:r>
+            <a:r>
+              <a:rPr lang="en-US" sz="1800" dirty="0" err="1"/>
+              <a:t>ADO.net</a:t>
+            </a:r>
+            <a:r>
+              <a:rPr lang="en-US" sz="1800" dirty="0"/>
+              <a:t> Connected Layer </a:t>
+            </a:r>
+            <a:endParaRPr lang="en-US" sz="1800" dirty="0">
+              <a:latin typeface="Arial" panose="020B0604020202020204" pitchFamily="34" charset="0"/>
+              <a:ea typeface="PMingLiU" panose="02020500000000000000" pitchFamily="18" charset="-120"/>
+            </a:endParaRPr>
+          </a:p>
+          <a:p>
+            <a:pPr marL="171450" lvl="0" indent="-171450" algn="l" rtl="0">
+              <a:spcBef>
+                <a:spcPts val="0"/>
+              </a:spcBef>
+              <a:spcAft>
+                <a:spcPts val="0"/>
+              </a:spcAft>
+              <a:buClr>
+                <a:schemeClr val="bg1"/>
+              </a:buClr>
+              <a:buSzPts val="1100"/>
+              <a:buFont typeface="Arial" panose="020B0604020202020204" pitchFamily="34" charset="0"/>
+              <a:buChar char="•"/>
+            </a:pPr>
+            <a:endParaRPr lang="en-US" sz="1800" dirty="0">
+              <a:latin typeface="Arial" panose="020B0604020202020204" pitchFamily="34" charset="0"/>
+              <a:ea typeface="PMingLiU" panose="02020500000000000000" pitchFamily="18" charset="-120"/>
+            </a:endParaRPr>
+          </a:p>
+          <a:p>
+            <a:pPr marL="171450" lvl="0" indent="-171450" algn="l" rtl="0">
+              <a:spcBef>
+                <a:spcPts val="0"/>
+              </a:spcBef>
+              <a:spcAft>
+                <a:spcPts val="0"/>
+              </a:spcAft>
+              <a:buClr>
+                <a:schemeClr val="dk1"/>
+              </a:buClr>
+              <a:buSzPts val="1100"/>
+              <a:buFont typeface="Arial" panose="020B0604020202020204" pitchFamily="34" charset="0"/>
+              <a:buChar char="•"/>
+            </a:pPr>
+            <a:endParaRPr dirty="0"/>
+          </a:p>
+        </p:txBody>
+      </p:sp>
+      <p:grpSp>
+        <p:nvGrpSpPr>
+          <p:cNvPr id="2726" name="Google Shape;2726;p34"/>
+          <p:cNvGrpSpPr/>
+          <p:nvPr/>
+        </p:nvGrpSpPr>
+        <p:grpSpPr>
+          <a:xfrm>
+            <a:off x="7126489" y="852727"/>
+            <a:ext cx="883262" cy="242091"/>
+            <a:chOff x="2300350" y="2601250"/>
+            <a:chExt cx="2275275" cy="623625"/>
+          </a:xfrm>
+        </p:grpSpPr>
+        <p:sp>
+          <p:nvSpPr>
+            <p:cNvPr id="2727" name="Google Shape;2727;p34"/>
+            <p:cNvSpPr/>
+            <p:nvPr/>
+          </p:nvSpPr>
+          <p:spPr>
+            <a:xfrm>
+              <a:off x="2300350" y="2601250"/>
+              <a:ext cx="392100" cy="623625"/>
+            </a:xfrm>
+            <a:custGeom>
+              <a:avLst/>
+              <a:gdLst/>
+              <a:ahLst/>
+              <a:cxnLst/>
+              <a:rect l="l" t="t" r="r" b="b"/>
+              <a:pathLst>
+                <a:path w="15684" h="24945" extrusionOk="0">
+                  <a:moveTo>
+                    <a:pt x="12720" y="0"/>
+                  </a:moveTo>
+                  <a:cubicBezTo>
+                    <a:pt x="13337" y="0"/>
+                    <a:pt x="14078" y="247"/>
+                    <a:pt x="14572" y="741"/>
+                  </a:cubicBezTo>
+                  <a:cubicBezTo>
+                    <a:pt x="15684" y="1852"/>
+                    <a:pt x="15684" y="3581"/>
+                    <a:pt x="14572" y="4569"/>
+                  </a:cubicBezTo>
+                  <a:lnTo>
+                    <a:pt x="6792" y="12349"/>
+                  </a:lnTo>
+                  <a:lnTo>
+                    <a:pt x="14572" y="20128"/>
+                  </a:lnTo>
+                  <a:cubicBezTo>
+                    <a:pt x="15684" y="21240"/>
+                    <a:pt x="15684" y="22845"/>
+                    <a:pt x="14572" y="23957"/>
+                  </a:cubicBezTo>
+                  <a:cubicBezTo>
+                    <a:pt x="13584" y="24944"/>
+                    <a:pt x="11855" y="24944"/>
+                    <a:pt x="10744" y="23957"/>
+                  </a:cubicBezTo>
+                  <a:lnTo>
+                    <a:pt x="1112" y="14325"/>
+                  </a:lnTo>
+                  <a:cubicBezTo>
+                    <a:pt x="1" y="13213"/>
+                    <a:pt x="1" y="11484"/>
+                    <a:pt x="1112" y="10496"/>
+                  </a:cubicBezTo>
+                  <a:lnTo>
+                    <a:pt x="10744" y="741"/>
+                  </a:lnTo>
+                  <a:cubicBezTo>
+                    <a:pt x="11361" y="247"/>
+                    <a:pt x="11979" y="0"/>
+                    <a:pt x="12720" y="0"/>
+                  </a:cubicBezTo>
+                  <a:close/>
+                </a:path>
+              </a:pathLst>
+            </a:custGeom>
+            <a:solidFill>
+              <a:schemeClr val="accent2"/>
+            </a:solidFill>
+            <a:ln>
+              <a:noFill/>
+            </a:ln>
+          </p:spPr>
+          <p:txBody>
+            <a:bodyPr spcFirstLastPara="1" wrap="square" lIns="91425" tIns="91425" rIns="91425" bIns="91425" anchor="ctr" anchorCtr="0">
+              <a:noAutofit/>
+            </a:bodyPr>
+            <a:lstStyle/>
+            <a:p>
+              <a:pPr marL="0" lvl="0" indent="0" algn="l" rtl="0">
+                <a:spcBef>
+                  <a:spcPts val="0"/>
+                </a:spcBef>
+                <a:spcAft>
+                  <a:spcPts val="0"/>
+                </a:spcAft>
+                <a:buNone/>
+              </a:pPr>
+              <a:endParaRPr/>
+            </a:p>
+          </p:txBody>
+        </p:sp>
+        <p:sp>
+          <p:nvSpPr>
+            <p:cNvPr id="2728" name="Google Shape;2728;p34"/>
+            <p:cNvSpPr/>
+            <p:nvPr/>
+          </p:nvSpPr>
+          <p:spPr>
+            <a:xfrm>
+              <a:off x="2680075" y="2601250"/>
+              <a:ext cx="389025" cy="623625"/>
+            </a:xfrm>
+            <a:custGeom>
+              <a:avLst/>
+              <a:gdLst/>
+              <a:ahLst/>
+              <a:cxnLst/>
+              <a:rect l="l" t="t" r="r" b="b"/>
+              <a:pathLst>
+                <a:path w="15561" h="24945" extrusionOk="0">
+                  <a:moveTo>
+                    <a:pt x="12596" y="0"/>
+                  </a:moveTo>
+                  <a:cubicBezTo>
+                    <a:pt x="13337" y="0"/>
+                    <a:pt x="13955" y="247"/>
+                    <a:pt x="14449" y="741"/>
+                  </a:cubicBezTo>
+                  <a:cubicBezTo>
+                    <a:pt x="15560" y="1852"/>
+                    <a:pt x="15560" y="3581"/>
+                    <a:pt x="14449" y="4569"/>
+                  </a:cubicBezTo>
+                  <a:lnTo>
+                    <a:pt x="6669" y="12349"/>
+                  </a:lnTo>
+                  <a:lnTo>
+                    <a:pt x="14449" y="20128"/>
+                  </a:lnTo>
+                  <a:cubicBezTo>
+                    <a:pt x="15560" y="21240"/>
+                    <a:pt x="15560" y="22845"/>
+                    <a:pt x="14449" y="23957"/>
+                  </a:cubicBezTo>
+                  <a:cubicBezTo>
+                    <a:pt x="13461" y="24944"/>
+                    <a:pt x="11732" y="24944"/>
+                    <a:pt x="10621" y="23957"/>
+                  </a:cubicBezTo>
+                  <a:lnTo>
+                    <a:pt x="988" y="14325"/>
+                  </a:lnTo>
+                  <a:cubicBezTo>
+                    <a:pt x="1" y="13213"/>
+                    <a:pt x="1" y="11484"/>
+                    <a:pt x="988" y="10496"/>
+                  </a:cubicBezTo>
+                  <a:lnTo>
+                    <a:pt x="10621" y="741"/>
+                  </a:lnTo>
+                  <a:cubicBezTo>
+                    <a:pt x="11238" y="247"/>
+                    <a:pt x="11855" y="0"/>
+                    <a:pt x="12596" y="0"/>
+                  </a:cubicBezTo>
+                  <a:close/>
+                </a:path>
+              </a:pathLst>
+            </a:custGeom>
+            <a:solidFill>
+              <a:schemeClr val="accent2"/>
+            </a:solidFill>
+            <a:ln>
+              <a:noFill/>
+            </a:ln>
+          </p:spPr>
+          <p:txBody>
+            <a:bodyPr spcFirstLastPara="1" wrap="square" lIns="91425" tIns="91425" rIns="91425" bIns="91425" anchor="ctr" anchorCtr="0">
+              <a:noAutofit/>
+            </a:bodyPr>
+            <a:lstStyle/>
+            <a:p>
+              <a:pPr marL="0" lvl="0" indent="0" algn="l" rtl="0">
+                <a:spcBef>
+                  <a:spcPts val="0"/>
+                </a:spcBef>
+                <a:spcAft>
+                  <a:spcPts val="0"/>
+                </a:spcAft>
+                <a:buNone/>
+              </a:pPr>
+              <a:endParaRPr/>
+            </a:p>
+          </p:txBody>
+        </p:sp>
+        <p:sp>
+          <p:nvSpPr>
+            <p:cNvPr id="2729" name="Google Shape;2729;p34"/>
+            <p:cNvSpPr/>
+            <p:nvPr/>
+          </p:nvSpPr>
+          <p:spPr>
+            <a:xfrm>
+              <a:off x="3056725" y="2601250"/>
+              <a:ext cx="389000" cy="623625"/>
+            </a:xfrm>
+            <a:custGeom>
+              <a:avLst/>
+              <a:gdLst/>
+              <a:ahLst/>
+              <a:cxnLst/>
+              <a:rect l="l" t="t" r="r" b="b"/>
+              <a:pathLst>
+                <a:path w="15560" h="24945" extrusionOk="0">
+                  <a:moveTo>
+                    <a:pt x="12596" y="0"/>
+                  </a:moveTo>
+                  <a:cubicBezTo>
+                    <a:pt x="13337" y="0"/>
+                    <a:pt x="13954" y="247"/>
+                    <a:pt x="14448" y="741"/>
+                  </a:cubicBezTo>
+                  <a:cubicBezTo>
+                    <a:pt x="15559" y="1852"/>
+                    <a:pt x="15559" y="3581"/>
+                    <a:pt x="14448" y="4569"/>
+                  </a:cubicBezTo>
+                  <a:lnTo>
+                    <a:pt x="6792" y="12349"/>
+                  </a:lnTo>
+                  <a:lnTo>
+                    <a:pt x="14448" y="20128"/>
+                  </a:lnTo>
+                  <a:cubicBezTo>
+                    <a:pt x="15559" y="21240"/>
+                    <a:pt x="15559" y="22845"/>
+                    <a:pt x="14448" y="23957"/>
+                  </a:cubicBezTo>
+                  <a:cubicBezTo>
+                    <a:pt x="13460" y="24944"/>
+                    <a:pt x="11731" y="24944"/>
+                    <a:pt x="10743" y="23957"/>
+                  </a:cubicBezTo>
+                  <a:lnTo>
+                    <a:pt x="988" y="14325"/>
+                  </a:lnTo>
+                  <a:cubicBezTo>
+                    <a:pt x="0" y="13213"/>
+                    <a:pt x="0" y="11484"/>
+                    <a:pt x="988" y="10496"/>
+                  </a:cubicBezTo>
+                  <a:lnTo>
+                    <a:pt x="10743" y="741"/>
+                  </a:lnTo>
+                  <a:cubicBezTo>
+                    <a:pt x="11237" y="247"/>
+                    <a:pt x="11855" y="0"/>
+                    <a:pt x="12596" y="0"/>
+                  </a:cubicBezTo>
+                  <a:close/>
+                </a:path>
+              </a:pathLst>
+            </a:custGeom>
+            <a:solidFill>
+              <a:schemeClr val="accent2"/>
+            </a:solidFill>
+            <a:ln>
+              <a:noFill/>
+            </a:ln>
+          </p:spPr>
+          <p:txBody>
+            <a:bodyPr spcFirstLastPara="1" wrap="square" lIns="91425" tIns="91425" rIns="91425" bIns="91425" anchor="ctr" anchorCtr="0">
+              <a:noAutofit/>
+            </a:bodyPr>
+            <a:lstStyle/>
+            <a:p>
+              <a:pPr marL="0" lvl="0" indent="0" algn="l" rtl="0">
+                <a:spcBef>
+                  <a:spcPts val="0"/>
+                </a:spcBef>
+                <a:spcAft>
+                  <a:spcPts val="0"/>
+                </a:spcAft>
+                <a:buNone/>
+              </a:pPr>
+              <a:endParaRPr/>
+            </a:p>
+          </p:txBody>
+        </p:sp>
+        <p:sp>
+          <p:nvSpPr>
+            <p:cNvPr id="2730" name="Google Shape;2730;p34"/>
+            <p:cNvSpPr/>
+            <p:nvPr/>
+          </p:nvSpPr>
+          <p:spPr>
+            <a:xfrm>
+              <a:off x="3433350" y="2601250"/>
+              <a:ext cx="389000" cy="623625"/>
+            </a:xfrm>
+            <a:custGeom>
+              <a:avLst/>
+              <a:gdLst/>
+              <a:ahLst/>
+              <a:cxnLst/>
+              <a:rect l="l" t="t" r="r" b="b"/>
+              <a:pathLst>
+                <a:path w="15560" h="24945" extrusionOk="0">
+                  <a:moveTo>
+                    <a:pt x="12596" y="0"/>
+                  </a:moveTo>
+                  <a:cubicBezTo>
+                    <a:pt x="13337" y="0"/>
+                    <a:pt x="13955" y="247"/>
+                    <a:pt x="14572" y="741"/>
+                  </a:cubicBezTo>
+                  <a:cubicBezTo>
+                    <a:pt x="15560" y="1852"/>
+                    <a:pt x="15560" y="3581"/>
+                    <a:pt x="14572" y="4569"/>
+                  </a:cubicBezTo>
+                  <a:lnTo>
+                    <a:pt x="6792" y="12349"/>
+                  </a:lnTo>
+                  <a:lnTo>
+                    <a:pt x="14572" y="20128"/>
+                  </a:lnTo>
+                  <a:cubicBezTo>
+                    <a:pt x="15560" y="21240"/>
+                    <a:pt x="15560" y="22845"/>
+                    <a:pt x="14572" y="23957"/>
+                  </a:cubicBezTo>
+                  <a:cubicBezTo>
+                    <a:pt x="13461" y="24944"/>
+                    <a:pt x="11732" y="24944"/>
+                    <a:pt x="10744" y="23957"/>
+                  </a:cubicBezTo>
+                  <a:lnTo>
+                    <a:pt x="988" y="14325"/>
+                  </a:lnTo>
+                  <a:cubicBezTo>
+                    <a:pt x="1" y="13213"/>
+                    <a:pt x="1" y="11484"/>
+                    <a:pt x="988" y="10496"/>
+                  </a:cubicBezTo>
+                  <a:lnTo>
+                    <a:pt x="10744" y="741"/>
+                  </a:lnTo>
+                  <a:cubicBezTo>
+                    <a:pt x="11238" y="247"/>
+                    <a:pt x="11979" y="0"/>
+                    <a:pt x="12596" y="0"/>
+                  </a:cubicBezTo>
+                  <a:close/>
+                </a:path>
+              </a:pathLst>
+            </a:custGeom>
+            <a:solidFill>
+              <a:schemeClr val="accent2"/>
+            </a:solidFill>
+            <a:ln>
+              <a:noFill/>
+            </a:ln>
+          </p:spPr>
+          <p:txBody>
+            <a:bodyPr spcFirstLastPara="1" wrap="square" lIns="91425" tIns="91425" rIns="91425" bIns="91425" anchor="ctr" anchorCtr="0">
+              <a:noAutofit/>
+            </a:bodyPr>
+            <a:lstStyle/>
+            <a:p>
+              <a:pPr marL="0" lvl="0" indent="0" algn="l" rtl="0">
+                <a:spcBef>
+                  <a:spcPts val="0"/>
+                </a:spcBef>
+                <a:spcAft>
+                  <a:spcPts val="0"/>
+                </a:spcAft>
+                <a:buNone/>
+              </a:pPr>
+              <a:endParaRPr/>
+            </a:p>
+          </p:txBody>
+        </p:sp>
+        <p:sp>
+          <p:nvSpPr>
+            <p:cNvPr id="2731" name="Google Shape;2731;p34"/>
+            <p:cNvSpPr/>
+            <p:nvPr/>
+          </p:nvSpPr>
+          <p:spPr>
+            <a:xfrm>
+              <a:off x="3810000" y="2601250"/>
+              <a:ext cx="389000" cy="623625"/>
+            </a:xfrm>
+            <a:custGeom>
+              <a:avLst/>
+              <a:gdLst/>
+              <a:ahLst/>
+              <a:cxnLst/>
+              <a:rect l="l" t="t" r="r" b="b"/>
+              <a:pathLst>
+                <a:path w="15560" h="24945" extrusionOk="0">
+                  <a:moveTo>
+                    <a:pt x="12596" y="0"/>
+                  </a:moveTo>
+                  <a:cubicBezTo>
+                    <a:pt x="13337" y="0"/>
+                    <a:pt x="13954" y="247"/>
+                    <a:pt x="14572" y="741"/>
+                  </a:cubicBezTo>
+                  <a:cubicBezTo>
+                    <a:pt x="15559" y="1852"/>
+                    <a:pt x="15559" y="3581"/>
+                    <a:pt x="14572" y="4569"/>
+                  </a:cubicBezTo>
+                  <a:lnTo>
+                    <a:pt x="6792" y="12349"/>
+                  </a:lnTo>
+                  <a:lnTo>
+                    <a:pt x="14572" y="20128"/>
+                  </a:lnTo>
+                  <a:cubicBezTo>
+                    <a:pt x="15559" y="21240"/>
+                    <a:pt x="15559" y="22845"/>
+                    <a:pt x="14572" y="23957"/>
+                  </a:cubicBezTo>
+                  <a:cubicBezTo>
+                    <a:pt x="13460" y="24944"/>
+                    <a:pt x="11731" y="24944"/>
+                    <a:pt x="10743" y="23957"/>
+                  </a:cubicBezTo>
+                  <a:lnTo>
+                    <a:pt x="988" y="14325"/>
+                  </a:lnTo>
+                  <a:cubicBezTo>
+                    <a:pt x="0" y="13213"/>
+                    <a:pt x="0" y="11484"/>
+                    <a:pt x="988" y="10496"/>
+                  </a:cubicBezTo>
+                  <a:lnTo>
+                    <a:pt x="10743" y="741"/>
+                  </a:lnTo>
+                  <a:cubicBezTo>
+                    <a:pt x="11237" y="247"/>
+                    <a:pt x="11978" y="0"/>
+                    <a:pt x="12596" y="0"/>
+                  </a:cubicBezTo>
+                  <a:close/>
+                </a:path>
+              </a:pathLst>
+            </a:custGeom>
+            <a:solidFill>
+              <a:schemeClr val="accent2"/>
+            </a:solidFill>
+            <a:ln>
+              <a:noFill/>
+            </a:ln>
+          </p:spPr>
+          <p:txBody>
+            <a:bodyPr spcFirstLastPara="1" wrap="square" lIns="91425" tIns="91425" rIns="91425" bIns="91425" anchor="ctr" anchorCtr="0">
+              <a:noAutofit/>
+            </a:bodyPr>
+            <a:lstStyle/>
+            <a:p>
+              <a:pPr marL="0" lvl="0" indent="0" algn="l" rtl="0">
+                <a:spcBef>
+                  <a:spcPts val="0"/>
+                </a:spcBef>
+                <a:spcAft>
+                  <a:spcPts val="0"/>
+                </a:spcAft>
+                <a:buNone/>
+              </a:pPr>
+              <a:endParaRPr/>
+            </a:p>
+          </p:txBody>
+        </p:sp>
+        <p:sp>
+          <p:nvSpPr>
+            <p:cNvPr id="2732" name="Google Shape;2732;p34"/>
+            <p:cNvSpPr/>
+            <p:nvPr/>
+          </p:nvSpPr>
+          <p:spPr>
+            <a:xfrm>
+              <a:off x="4186625" y="2601250"/>
+              <a:ext cx="389000" cy="623625"/>
+            </a:xfrm>
+            <a:custGeom>
+              <a:avLst/>
+              <a:gdLst/>
+              <a:ahLst/>
+              <a:cxnLst/>
+              <a:rect l="l" t="t" r="r" b="b"/>
+              <a:pathLst>
+                <a:path w="15560" h="24945" extrusionOk="0">
+                  <a:moveTo>
+                    <a:pt x="12596" y="0"/>
+                  </a:moveTo>
+                  <a:cubicBezTo>
+                    <a:pt x="13337" y="0"/>
+                    <a:pt x="13955" y="247"/>
+                    <a:pt x="14572" y="741"/>
+                  </a:cubicBezTo>
+                  <a:cubicBezTo>
+                    <a:pt x="15560" y="1852"/>
+                    <a:pt x="15560" y="3581"/>
+                    <a:pt x="14572" y="4569"/>
+                  </a:cubicBezTo>
+                  <a:lnTo>
+                    <a:pt x="6792" y="12349"/>
+                  </a:lnTo>
+                  <a:lnTo>
+                    <a:pt x="14572" y="20128"/>
+                  </a:lnTo>
+                  <a:cubicBezTo>
+                    <a:pt x="15560" y="21240"/>
+                    <a:pt x="15560" y="22845"/>
+                    <a:pt x="14572" y="23957"/>
+                  </a:cubicBezTo>
+                  <a:cubicBezTo>
+                    <a:pt x="13461" y="24944"/>
+                    <a:pt x="11732" y="24944"/>
+                    <a:pt x="10744" y="23957"/>
+                  </a:cubicBezTo>
+                  <a:lnTo>
+                    <a:pt x="988" y="14325"/>
+                  </a:lnTo>
+                  <a:cubicBezTo>
+                    <a:pt x="0" y="13213"/>
+                    <a:pt x="0" y="11484"/>
+                    <a:pt x="988" y="10496"/>
+                  </a:cubicBezTo>
+                  <a:lnTo>
+                    <a:pt x="10744" y="741"/>
+                  </a:lnTo>
+                  <a:cubicBezTo>
+                    <a:pt x="11238" y="247"/>
+                    <a:pt x="11979" y="0"/>
+                    <a:pt x="12596" y="0"/>
+                  </a:cubicBezTo>
+                  <a:close/>
+                </a:path>
+              </a:pathLst>
+            </a:custGeom>
+            <a:solidFill>
+              <a:schemeClr val="accent2"/>
+            </a:solidFill>
+            <a:ln>
+              <a:noFill/>
+            </a:ln>
+          </p:spPr>
+          <p:txBody>
+            <a:bodyPr spcFirstLastPara="1" wrap="square" lIns="91425" tIns="91425" rIns="91425" bIns="91425" anchor="ctr" anchorCtr="0">
+              <a:noAutofit/>
+            </a:bodyPr>
+            <a:lstStyle/>
+            <a:p>
+              <a:pPr marL="0" lvl="0" indent="0" algn="l" rtl="0">
+                <a:spcBef>
+                  <a:spcPts val="0"/>
+                </a:spcBef>
+                <a:spcAft>
+                  <a:spcPts val="0"/>
+                </a:spcAft>
+                <a:buNone/>
+              </a:pPr>
+              <a:endParaRPr/>
+            </a:p>
+          </p:txBody>
+        </p:sp>
+      </p:grpSp>
+    </p:spTree>
+    <p:extLst>
+      <p:ext uri="{BB962C8B-B14F-4D97-AF65-F5344CB8AC3E}">
+        <p14:creationId xmlns:p14="http://schemas.microsoft.com/office/powerpoint/2010/main" val="801260905"/>
+      </p:ext>
+    </p:extLst>
+  </p:cSld>
+  <p:clrMapOvr>
+    <a:masterClrMapping/>
+  </p:clrMapOvr>
+</p:sld>
+</file>
+
+<file path=ppt/slides/slide11.xml><?xml version="1.0" encoding="utf-8"?>
+<p:sld xmlns:a="http://schemas.openxmlformats.org/drawingml/2006/main" xmlns:r="http://schemas.openxmlformats.org/officeDocument/2006/relationships" xmlns:p="http://schemas.openxmlformats.org/presentationml/2006/main">
+  <p:cSld>
+    <p:spTree>
+      <p:nvGrpSpPr>
+        <p:cNvPr id="1" name="Shape 2723"/>
+        <p:cNvGrpSpPr/>
+        <p:nvPr/>
+      </p:nvGrpSpPr>
+      <p:grpSpPr>
+        <a:xfrm>
+          <a:off x="0" y="0"/>
+          <a:ext cx="0" cy="0"/>
+          <a:chOff x="0" y="0"/>
+          <a:chExt cx="0" cy="0"/>
+        </a:xfrm>
+      </p:grpSpPr>
+      <p:sp>
+        <p:nvSpPr>
+          <p:cNvPr id="2724" name="Google Shape;2724;p34"/>
+          <p:cNvSpPr txBox="1">
+            <a:spLocks noGrp="1"/>
+          </p:cNvSpPr>
+          <p:nvPr>
+            <p:ph type="title"/>
+          </p:nvPr>
+        </p:nvSpPr>
+        <p:spPr>
+          <a:xfrm>
+            <a:off x="713100" y="539400"/>
+            <a:ext cx="7717800" cy="572700"/>
+          </a:xfrm>
+          <a:prstGeom prst="rect">
+            <a:avLst/>
+          </a:prstGeom>
+          <a:effectLst>
+            <a:outerShdw blurRad="142875" algn="bl" rotWithShape="0">
+              <a:schemeClr val="accent2">
+                <a:alpha val="40000"/>
+              </a:schemeClr>
+            </a:outerShdw>
+          </a:effectLst>
+        </p:spPr>
+        <p:txBody>
+          <a:bodyPr spcFirstLastPara="1" wrap="square" lIns="91425" tIns="91425" rIns="91425" bIns="91425" anchor="ctr" anchorCtr="0">
+            <a:noAutofit/>
+          </a:bodyPr>
+          <a:lstStyle/>
+          <a:p>
+            <a:pPr marL="0" lvl="0" indent="0" algn="l" rtl="0">
+              <a:spcBef>
+                <a:spcPts val="0"/>
+              </a:spcBef>
+              <a:spcAft>
+                <a:spcPts val="0"/>
+              </a:spcAft>
+              <a:buNone/>
+            </a:pPr>
+            <a:r>
+              <a:rPr lang="en" sz="2800" dirty="0">
+                <a:solidFill>
+                  <a:schemeClr val="accent2"/>
+                </a:solidFill>
+              </a:rPr>
+              <a:t>Conclusion – Yu-Hsiu</a:t>
+            </a:r>
+            <a:endParaRPr sz="2800" dirty="0">
+              <a:solidFill>
+                <a:schemeClr val="accent2"/>
+              </a:solidFill>
+            </a:endParaRPr>
+          </a:p>
+        </p:txBody>
+      </p:sp>
+      <p:sp>
+        <p:nvSpPr>
+          <p:cNvPr id="2725" name="Google Shape;2725;p34"/>
+          <p:cNvSpPr txBox="1">
+            <a:spLocks noGrp="1"/>
+          </p:cNvSpPr>
+          <p:nvPr>
+            <p:ph type="body" idx="1"/>
+          </p:nvPr>
+        </p:nvSpPr>
+        <p:spPr>
+          <a:xfrm>
+            <a:off x="713100" y="1187700"/>
+            <a:ext cx="7717800" cy="3416400"/>
+          </a:xfrm>
+          <a:prstGeom prst="rect">
+            <a:avLst/>
+          </a:prstGeom>
+        </p:spPr>
+        <p:txBody>
+          <a:bodyPr spcFirstLastPara="1" wrap="square" lIns="91425" tIns="91425" rIns="91425" bIns="91425" anchor="t" anchorCtr="0">
+            <a:noAutofit/>
+          </a:bodyPr>
+          <a:lstStyle/>
+          <a:p>
+            <a:pPr marL="171450" lvl="0" indent="-171450" algn="l" rtl="0">
+              <a:spcBef>
+                <a:spcPts val="0"/>
+              </a:spcBef>
+              <a:spcAft>
+                <a:spcPts val="0"/>
+              </a:spcAft>
+              <a:buClr>
+                <a:schemeClr val="bg1"/>
+              </a:buClr>
+              <a:buSzPts val="1100"/>
+              <a:buFont typeface="Arial" panose="020B0604020202020204" pitchFamily="34" charset="0"/>
+              <a:buChar char="•"/>
+            </a:pPr>
+            <a:r>
+              <a:rPr lang="en-US" sz="1800" dirty="0">
+                <a:latin typeface="Arial" panose="020B0604020202020204" pitchFamily="34" charset="0"/>
+                <a:ea typeface="PMingLiU" panose="02020500000000000000" pitchFamily="18" charset="-120"/>
+              </a:rPr>
+              <a:t>Most useful: It’s LINQ. LINQ makes the code more readable so other developers can easily understand and maintain it.</a:t>
+            </a:r>
+          </a:p>
+          <a:p>
+            <a:pPr marL="171450" lvl="0" indent="-171450" algn="l" rtl="0">
+              <a:spcBef>
+                <a:spcPts val="0"/>
+              </a:spcBef>
+              <a:spcAft>
+                <a:spcPts val="0"/>
+              </a:spcAft>
+              <a:buClr>
+                <a:schemeClr val="bg1"/>
+              </a:buClr>
+              <a:buSzPts val="1100"/>
+              <a:buFont typeface="Arial" panose="020B0604020202020204" pitchFamily="34" charset="0"/>
+              <a:buChar char="•"/>
+            </a:pPr>
+            <a:endParaRPr lang="en-US" sz="1800" dirty="0">
+              <a:latin typeface="Arial" panose="020B0604020202020204" pitchFamily="34" charset="0"/>
+              <a:ea typeface="PMingLiU" panose="02020500000000000000" pitchFamily="18" charset="-120"/>
+            </a:endParaRPr>
+          </a:p>
+          <a:p>
+            <a:pPr marL="171450" lvl="0" indent="-171450" algn="l" rtl="0">
+              <a:spcBef>
+                <a:spcPts val="0"/>
+              </a:spcBef>
+              <a:spcAft>
+                <a:spcPts val="0"/>
+              </a:spcAft>
+              <a:buClr>
+                <a:schemeClr val="bg1"/>
+              </a:buClr>
+              <a:buSzPts val="1100"/>
+              <a:buFont typeface="Arial" panose="020B0604020202020204" pitchFamily="34" charset="0"/>
+              <a:buChar char="•"/>
+            </a:pPr>
+            <a:r>
+              <a:rPr lang="en-US" sz="1800" dirty="0">
+                <a:latin typeface="Arial" panose="020B0604020202020204" pitchFamily="34" charset="0"/>
+                <a:ea typeface="PMingLiU" panose="02020500000000000000" pitchFamily="18" charset="-120"/>
+              </a:rPr>
+              <a:t>Least useful: There is less competition to get job in WPF as there are many new cross platform desktop app development frameworks available in market.</a:t>
+            </a:r>
+          </a:p>
+          <a:p>
+            <a:pPr marL="171450" lvl="0" indent="-171450" algn="l" rtl="0">
+              <a:spcBef>
+                <a:spcPts val="0"/>
+              </a:spcBef>
+              <a:spcAft>
+                <a:spcPts val="0"/>
+              </a:spcAft>
+              <a:buClr>
+                <a:schemeClr val="bg1"/>
+              </a:buClr>
+              <a:buSzPts val="1100"/>
+              <a:buFont typeface="Arial" panose="020B0604020202020204" pitchFamily="34" charset="0"/>
+              <a:buChar char="•"/>
+            </a:pPr>
+            <a:endParaRPr lang="en-US" sz="1800" dirty="0">
+              <a:latin typeface="Arial" panose="020B0604020202020204" pitchFamily="34" charset="0"/>
+              <a:ea typeface="PMingLiU" panose="02020500000000000000" pitchFamily="18" charset="-120"/>
+            </a:endParaRPr>
+          </a:p>
+          <a:p>
+            <a:pPr marL="171450" lvl="0" indent="-171450" algn="l" rtl="0">
+              <a:spcBef>
+                <a:spcPts val="0"/>
+              </a:spcBef>
+              <a:spcAft>
+                <a:spcPts val="0"/>
+              </a:spcAft>
+              <a:buClr>
+                <a:schemeClr val="bg1"/>
+              </a:buClr>
+              <a:buSzPts val="1100"/>
+              <a:buFont typeface="Arial" panose="020B0604020202020204" pitchFamily="34" charset="0"/>
+              <a:buChar char="•"/>
+            </a:pPr>
+            <a:r>
+              <a:rPr lang="en-US" sz="1800" dirty="0">
+                <a:latin typeface="Arial" panose="020B0604020202020204" pitchFamily="34" charset="0"/>
+                <a:ea typeface="PMingLiU" panose="02020500000000000000" pitchFamily="18" charset="-120"/>
+              </a:rPr>
+              <a:t>One topic add: </a:t>
+            </a:r>
+            <a:r>
+              <a:rPr lang="en-US" sz="1800" dirty="0" err="1">
+                <a:latin typeface="Arial" panose="020B0604020202020204" pitchFamily="34" charset="0"/>
+                <a:ea typeface="PMingLiU" panose="02020500000000000000" pitchFamily="18" charset="-120"/>
+              </a:rPr>
+              <a:t>Automapper</a:t>
+            </a:r>
+            <a:r>
+              <a:rPr lang="en-US" sz="1800" dirty="0">
+                <a:latin typeface="Arial" panose="020B0604020202020204" pitchFamily="34" charset="0"/>
+                <a:ea typeface="PMingLiU" panose="02020500000000000000" pitchFamily="18" charset="-120"/>
+              </a:rPr>
+              <a:t>/ </a:t>
+            </a:r>
+            <a:r>
+              <a:rPr lang="en-US" sz="1800" dirty="0" err="1">
+                <a:latin typeface="Arial" panose="020B0604020202020204" pitchFamily="34" charset="0"/>
+                <a:ea typeface="PMingLiU" panose="02020500000000000000" pitchFamily="18" charset="-120"/>
+              </a:rPr>
+              <a:t>Autofac</a:t>
+            </a:r>
+            <a:r>
+              <a:rPr lang="en-US" sz="1800" dirty="0">
+                <a:latin typeface="Arial" panose="020B0604020202020204" pitchFamily="34" charset="0"/>
+                <a:ea typeface="PMingLiU" panose="02020500000000000000" pitchFamily="18" charset="-120"/>
+              </a:rPr>
+              <a:t>.</a:t>
+            </a:r>
+          </a:p>
+          <a:p>
+            <a:pPr marL="171450" lvl="0" indent="-171450" algn="l" rtl="0">
+              <a:spcBef>
+                <a:spcPts val="0"/>
+              </a:spcBef>
+              <a:spcAft>
+                <a:spcPts val="0"/>
+              </a:spcAft>
+              <a:buClr>
+                <a:schemeClr val="bg1"/>
+              </a:buClr>
+              <a:buSzPts val="1100"/>
+              <a:buFont typeface="Arial" panose="020B0604020202020204" pitchFamily="34" charset="0"/>
+              <a:buChar char="•"/>
+            </a:pPr>
+            <a:endParaRPr lang="en-US" sz="1800" dirty="0">
+              <a:latin typeface="Arial" panose="020B0604020202020204" pitchFamily="34" charset="0"/>
+              <a:ea typeface="PMingLiU" panose="02020500000000000000" pitchFamily="18" charset="-120"/>
+            </a:endParaRPr>
+          </a:p>
+          <a:p>
+            <a:pPr marL="171450" lvl="0" indent="-171450" algn="l" rtl="0">
+              <a:spcBef>
+                <a:spcPts val="0"/>
+              </a:spcBef>
+              <a:spcAft>
+                <a:spcPts val="0"/>
+              </a:spcAft>
+              <a:buClr>
+                <a:schemeClr val="bg1"/>
+              </a:buClr>
+              <a:buSzPts val="1100"/>
+              <a:buFont typeface="Arial" panose="020B0604020202020204" pitchFamily="34" charset="0"/>
+              <a:buChar char="•"/>
+            </a:pPr>
+            <a:r>
+              <a:rPr lang="en-US" sz="1800" dirty="0">
+                <a:latin typeface="Arial" panose="020B0604020202020204" pitchFamily="34" charset="0"/>
+                <a:ea typeface="PMingLiU" panose="02020500000000000000" pitchFamily="18" charset="-120"/>
+              </a:rPr>
+              <a:t>On topic remove: C# warm up in the first class.</a:t>
+            </a:r>
+          </a:p>
+          <a:p>
+            <a:pPr marL="171450" lvl="0" indent="-171450" algn="l" rtl="0">
+              <a:spcBef>
+                <a:spcPts val="0"/>
+              </a:spcBef>
+              <a:spcAft>
+                <a:spcPts val="0"/>
+              </a:spcAft>
+              <a:buClr>
+                <a:schemeClr val="bg1"/>
+              </a:buClr>
+              <a:buSzPts val="1100"/>
+              <a:buFont typeface="Arial" panose="020B0604020202020204" pitchFamily="34" charset="0"/>
+              <a:buChar char="•"/>
+            </a:pPr>
+            <a:endParaRPr lang="en-US" sz="1800" dirty="0">
+              <a:latin typeface="Arial" panose="020B0604020202020204" pitchFamily="34" charset="0"/>
+              <a:ea typeface="PMingLiU" panose="02020500000000000000" pitchFamily="18" charset="-120"/>
+            </a:endParaRPr>
+          </a:p>
+          <a:p>
+            <a:pPr marL="171450" lvl="0" indent="-171450" algn="l" rtl="0">
+              <a:spcBef>
+                <a:spcPts val="0"/>
+              </a:spcBef>
+              <a:spcAft>
+                <a:spcPts val="0"/>
+              </a:spcAft>
+              <a:buClr>
+                <a:schemeClr val="dk1"/>
+              </a:buClr>
+              <a:buSzPts val="1100"/>
+              <a:buFont typeface="Arial" panose="020B0604020202020204" pitchFamily="34" charset="0"/>
+              <a:buChar char="•"/>
+            </a:pPr>
+            <a:endParaRPr dirty="0"/>
+          </a:p>
+        </p:txBody>
+      </p:sp>
+      <p:grpSp>
+        <p:nvGrpSpPr>
+          <p:cNvPr id="2726" name="Google Shape;2726;p34"/>
+          <p:cNvGrpSpPr/>
+          <p:nvPr/>
+        </p:nvGrpSpPr>
+        <p:grpSpPr>
+          <a:xfrm>
+            <a:off x="7126489" y="852727"/>
+            <a:ext cx="883262" cy="242091"/>
+            <a:chOff x="2300350" y="2601250"/>
+            <a:chExt cx="2275275" cy="623625"/>
+          </a:xfrm>
+        </p:grpSpPr>
+        <p:sp>
+          <p:nvSpPr>
+            <p:cNvPr id="2727" name="Google Shape;2727;p34"/>
+            <p:cNvSpPr/>
+            <p:nvPr/>
+          </p:nvSpPr>
+          <p:spPr>
+            <a:xfrm>
+              <a:off x="2300350" y="2601250"/>
+              <a:ext cx="392100" cy="623625"/>
+            </a:xfrm>
+            <a:custGeom>
+              <a:avLst/>
+              <a:gdLst/>
+              <a:ahLst/>
+              <a:cxnLst/>
+              <a:rect l="l" t="t" r="r" b="b"/>
+              <a:pathLst>
+                <a:path w="15684" h="24945" extrusionOk="0">
+                  <a:moveTo>
+                    <a:pt x="12720" y="0"/>
+                  </a:moveTo>
+                  <a:cubicBezTo>
+                    <a:pt x="13337" y="0"/>
+                    <a:pt x="14078" y="247"/>
+                    <a:pt x="14572" y="741"/>
+                  </a:cubicBezTo>
+                  <a:cubicBezTo>
+                    <a:pt x="15684" y="1852"/>
+                    <a:pt x="15684" y="3581"/>
+                    <a:pt x="14572" y="4569"/>
+                  </a:cubicBezTo>
+                  <a:lnTo>
+                    <a:pt x="6792" y="12349"/>
+                  </a:lnTo>
+                  <a:lnTo>
+                    <a:pt x="14572" y="20128"/>
+                  </a:lnTo>
+                  <a:cubicBezTo>
+                    <a:pt x="15684" y="21240"/>
+                    <a:pt x="15684" y="22845"/>
+                    <a:pt x="14572" y="23957"/>
+                  </a:cubicBezTo>
+                  <a:cubicBezTo>
+                    <a:pt x="13584" y="24944"/>
+                    <a:pt x="11855" y="24944"/>
+                    <a:pt x="10744" y="23957"/>
+                  </a:cubicBezTo>
+                  <a:lnTo>
+                    <a:pt x="1112" y="14325"/>
+                  </a:lnTo>
+                  <a:cubicBezTo>
+                    <a:pt x="1" y="13213"/>
+                    <a:pt x="1" y="11484"/>
+                    <a:pt x="1112" y="10496"/>
+                  </a:cubicBezTo>
+                  <a:lnTo>
+                    <a:pt x="10744" y="741"/>
+                  </a:lnTo>
+                  <a:cubicBezTo>
+                    <a:pt x="11361" y="247"/>
+                    <a:pt x="11979" y="0"/>
+                    <a:pt x="12720" y="0"/>
+                  </a:cubicBezTo>
+                  <a:close/>
+                </a:path>
+              </a:pathLst>
+            </a:custGeom>
+            <a:solidFill>
+              <a:schemeClr val="accent2"/>
+            </a:solidFill>
+            <a:ln>
+              <a:noFill/>
+            </a:ln>
+          </p:spPr>
+          <p:txBody>
+            <a:bodyPr spcFirstLastPara="1" wrap="square" lIns="91425" tIns="91425" rIns="91425" bIns="91425" anchor="ctr" anchorCtr="0">
+              <a:noAutofit/>
+            </a:bodyPr>
+            <a:lstStyle/>
+            <a:p>
+              <a:pPr marL="0" lvl="0" indent="0" algn="l" rtl="0">
+                <a:spcBef>
+                  <a:spcPts val="0"/>
+                </a:spcBef>
+                <a:spcAft>
+                  <a:spcPts val="0"/>
+                </a:spcAft>
+                <a:buNone/>
+              </a:pPr>
+              <a:endParaRPr/>
+            </a:p>
+          </p:txBody>
+        </p:sp>
+        <p:sp>
+          <p:nvSpPr>
+            <p:cNvPr id="2728" name="Google Shape;2728;p34"/>
+            <p:cNvSpPr/>
+            <p:nvPr/>
+          </p:nvSpPr>
+          <p:spPr>
+            <a:xfrm>
+              <a:off x="2680075" y="2601250"/>
+              <a:ext cx="389025" cy="623625"/>
+            </a:xfrm>
+            <a:custGeom>
+              <a:avLst/>
+              <a:gdLst/>
+              <a:ahLst/>
+              <a:cxnLst/>
+              <a:rect l="l" t="t" r="r" b="b"/>
+              <a:pathLst>
+                <a:path w="15561" h="24945" extrusionOk="0">
+                  <a:moveTo>
+                    <a:pt x="12596" y="0"/>
+                  </a:moveTo>
+                  <a:cubicBezTo>
+                    <a:pt x="13337" y="0"/>
+                    <a:pt x="13955" y="247"/>
+                    <a:pt x="14449" y="741"/>
+                  </a:cubicBezTo>
+                  <a:cubicBezTo>
+                    <a:pt x="15560" y="1852"/>
+                    <a:pt x="15560" y="3581"/>
+                    <a:pt x="14449" y="4569"/>
+                  </a:cubicBezTo>
+                  <a:lnTo>
+                    <a:pt x="6669" y="12349"/>
+                  </a:lnTo>
+                  <a:lnTo>
+                    <a:pt x="14449" y="20128"/>
+                  </a:lnTo>
+                  <a:cubicBezTo>
+                    <a:pt x="15560" y="21240"/>
+                    <a:pt x="15560" y="22845"/>
+                    <a:pt x="14449" y="23957"/>
+                  </a:cubicBezTo>
+                  <a:cubicBezTo>
+                    <a:pt x="13461" y="24944"/>
+                    <a:pt x="11732" y="24944"/>
+                    <a:pt x="10621" y="23957"/>
+                  </a:cubicBezTo>
+                  <a:lnTo>
+                    <a:pt x="988" y="14325"/>
+                  </a:lnTo>
+                  <a:cubicBezTo>
+                    <a:pt x="1" y="13213"/>
+                    <a:pt x="1" y="11484"/>
+                    <a:pt x="988" y="10496"/>
+                  </a:cubicBezTo>
+                  <a:lnTo>
+                    <a:pt x="10621" y="741"/>
+                  </a:lnTo>
+                  <a:cubicBezTo>
+                    <a:pt x="11238" y="247"/>
+                    <a:pt x="11855" y="0"/>
+                    <a:pt x="12596" y="0"/>
+                  </a:cubicBezTo>
+                  <a:close/>
+                </a:path>
+              </a:pathLst>
+            </a:custGeom>
+            <a:solidFill>
+              <a:schemeClr val="accent2"/>
+            </a:solidFill>
+            <a:ln>
+              <a:noFill/>
+            </a:ln>
+          </p:spPr>
+          <p:txBody>
+            <a:bodyPr spcFirstLastPara="1" wrap="square" lIns="91425" tIns="91425" rIns="91425" bIns="91425" anchor="ctr" anchorCtr="0">
+              <a:noAutofit/>
+            </a:bodyPr>
+            <a:lstStyle/>
+            <a:p>
+              <a:pPr marL="0" lvl="0" indent="0" algn="l" rtl="0">
+                <a:spcBef>
+                  <a:spcPts val="0"/>
+                </a:spcBef>
+                <a:spcAft>
+                  <a:spcPts val="0"/>
+                </a:spcAft>
+                <a:buNone/>
+              </a:pPr>
+              <a:endParaRPr/>
+            </a:p>
+          </p:txBody>
+        </p:sp>
+        <p:sp>
+          <p:nvSpPr>
+            <p:cNvPr id="2729" name="Google Shape;2729;p34"/>
+            <p:cNvSpPr/>
+            <p:nvPr/>
+          </p:nvSpPr>
+          <p:spPr>
+            <a:xfrm>
+              <a:off x="3056725" y="2601250"/>
+              <a:ext cx="389000" cy="623625"/>
+            </a:xfrm>
+            <a:custGeom>
+              <a:avLst/>
+              <a:gdLst/>
+              <a:ahLst/>
+              <a:cxnLst/>
+              <a:rect l="l" t="t" r="r" b="b"/>
+              <a:pathLst>
+                <a:path w="15560" h="24945" extrusionOk="0">
+                  <a:moveTo>
+                    <a:pt x="12596" y="0"/>
+                  </a:moveTo>
+                  <a:cubicBezTo>
+                    <a:pt x="13337" y="0"/>
+                    <a:pt x="13954" y="247"/>
+                    <a:pt x="14448" y="741"/>
+                  </a:cubicBezTo>
+                  <a:cubicBezTo>
+                    <a:pt x="15559" y="1852"/>
+                    <a:pt x="15559" y="3581"/>
+                    <a:pt x="14448" y="4569"/>
+                  </a:cubicBezTo>
+                  <a:lnTo>
+                    <a:pt x="6792" y="12349"/>
+                  </a:lnTo>
+                  <a:lnTo>
+                    <a:pt x="14448" y="20128"/>
+                  </a:lnTo>
+                  <a:cubicBezTo>
+                    <a:pt x="15559" y="21240"/>
+                    <a:pt x="15559" y="22845"/>
+                    <a:pt x="14448" y="23957"/>
+                  </a:cubicBezTo>
+                  <a:cubicBezTo>
+                    <a:pt x="13460" y="24944"/>
+                    <a:pt x="11731" y="24944"/>
+                    <a:pt x="10743" y="23957"/>
+                  </a:cubicBezTo>
+                  <a:lnTo>
+                    <a:pt x="988" y="14325"/>
+                  </a:lnTo>
+                  <a:cubicBezTo>
+                    <a:pt x="0" y="13213"/>
+                    <a:pt x="0" y="11484"/>
+                    <a:pt x="988" y="10496"/>
+                  </a:cubicBezTo>
+                  <a:lnTo>
+                    <a:pt x="10743" y="741"/>
+                  </a:lnTo>
+                  <a:cubicBezTo>
+                    <a:pt x="11237" y="247"/>
+                    <a:pt x="11855" y="0"/>
+                    <a:pt x="12596" y="0"/>
+                  </a:cubicBezTo>
+                  <a:close/>
+                </a:path>
+              </a:pathLst>
+            </a:custGeom>
+            <a:solidFill>
+              <a:schemeClr val="accent2"/>
+            </a:solidFill>
+            <a:ln>
+              <a:noFill/>
+            </a:ln>
+          </p:spPr>
+          <p:txBody>
+            <a:bodyPr spcFirstLastPara="1" wrap="square" lIns="91425" tIns="91425" rIns="91425" bIns="91425" anchor="ctr" anchorCtr="0">
+              <a:noAutofit/>
+            </a:bodyPr>
+            <a:lstStyle/>
+            <a:p>
+              <a:pPr marL="0" lvl="0" indent="0" algn="l" rtl="0">
+                <a:spcBef>
+                  <a:spcPts val="0"/>
+                </a:spcBef>
+                <a:spcAft>
+                  <a:spcPts val="0"/>
+                </a:spcAft>
+                <a:buNone/>
+              </a:pPr>
+              <a:endParaRPr/>
+            </a:p>
+          </p:txBody>
+        </p:sp>
+        <p:sp>
+          <p:nvSpPr>
+            <p:cNvPr id="2730" name="Google Shape;2730;p34"/>
+            <p:cNvSpPr/>
+            <p:nvPr/>
+          </p:nvSpPr>
+          <p:spPr>
+            <a:xfrm>
+              <a:off x="3433350" y="2601250"/>
+              <a:ext cx="389000" cy="623625"/>
+            </a:xfrm>
+            <a:custGeom>
+              <a:avLst/>
+              <a:gdLst/>
+              <a:ahLst/>
+              <a:cxnLst/>
+              <a:rect l="l" t="t" r="r" b="b"/>
+              <a:pathLst>
+                <a:path w="15560" h="24945" extrusionOk="0">
+                  <a:moveTo>
+                    <a:pt x="12596" y="0"/>
+                  </a:moveTo>
+                  <a:cubicBezTo>
+                    <a:pt x="13337" y="0"/>
+                    <a:pt x="13955" y="247"/>
+                    <a:pt x="14572" y="741"/>
+                  </a:cubicBezTo>
+                  <a:cubicBezTo>
+                    <a:pt x="15560" y="1852"/>
+                    <a:pt x="15560" y="3581"/>
+                    <a:pt x="14572" y="4569"/>
+                  </a:cubicBezTo>
+                  <a:lnTo>
+                    <a:pt x="6792" y="12349"/>
+                  </a:lnTo>
+                  <a:lnTo>
+                    <a:pt x="14572" y="20128"/>
+                  </a:lnTo>
+                  <a:cubicBezTo>
+                    <a:pt x="15560" y="21240"/>
+                    <a:pt x="15560" y="22845"/>
+                    <a:pt x="14572" y="23957"/>
+                  </a:cubicBezTo>
+                  <a:cubicBezTo>
+                    <a:pt x="13461" y="24944"/>
+                    <a:pt x="11732" y="24944"/>
+                    <a:pt x="10744" y="23957"/>
+                  </a:cubicBezTo>
+                  <a:lnTo>
+                    <a:pt x="988" y="14325"/>
+                  </a:lnTo>
+                  <a:cubicBezTo>
+                    <a:pt x="1" y="13213"/>
+                    <a:pt x="1" y="11484"/>
+                    <a:pt x="988" y="10496"/>
+                  </a:cubicBezTo>
+                  <a:lnTo>
+                    <a:pt x="10744" y="741"/>
+                  </a:lnTo>
+                  <a:cubicBezTo>
+                    <a:pt x="11238" y="247"/>
+                    <a:pt x="11979" y="0"/>
+                    <a:pt x="12596" y="0"/>
+                  </a:cubicBezTo>
+                  <a:close/>
+                </a:path>
+              </a:pathLst>
+            </a:custGeom>
+            <a:solidFill>
+              <a:schemeClr val="accent2"/>
+            </a:solidFill>
+            <a:ln>
+              <a:noFill/>
+            </a:ln>
+          </p:spPr>
+          <p:txBody>
+            <a:bodyPr spcFirstLastPara="1" wrap="square" lIns="91425" tIns="91425" rIns="91425" bIns="91425" anchor="ctr" anchorCtr="0">
+              <a:noAutofit/>
+            </a:bodyPr>
+            <a:lstStyle/>
+            <a:p>
+              <a:pPr marL="0" lvl="0" indent="0" algn="l" rtl="0">
+                <a:spcBef>
+                  <a:spcPts val="0"/>
+                </a:spcBef>
+                <a:spcAft>
+                  <a:spcPts val="0"/>
+                </a:spcAft>
+                <a:buNone/>
+              </a:pPr>
+              <a:endParaRPr/>
+            </a:p>
+          </p:txBody>
+        </p:sp>
+        <p:sp>
+          <p:nvSpPr>
+            <p:cNvPr id="2731" name="Google Shape;2731;p34"/>
+            <p:cNvSpPr/>
+            <p:nvPr/>
+          </p:nvSpPr>
+          <p:spPr>
+            <a:xfrm>
+              <a:off x="3810000" y="2601250"/>
+              <a:ext cx="389000" cy="623625"/>
+            </a:xfrm>
+            <a:custGeom>
+              <a:avLst/>
+              <a:gdLst/>
+              <a:ahLst/>
+              <a:cxnLst/>
+              <a:rect l="l" t="t" r="r" b="b"/>
+              <a:pathLst>
+                <a:path w="15560" h="24945" extrusionOk="0">
+                  <a:moveTo>
+                    <a:pt x="12596" y="0"/>
+                  </a:moveTo>
+                  <a:cubicBezTo>
+                    <a:pt x="13337" y="0"/>
+                    <a:pt x="13954" y="247"/>
+                    <a:pt x="14572" y="741"/>
+                  </a:cubicBezTo>
+                  <a:cubicBezTo>
+                    <a:pt x="15559" y="1852"/>
+                    <a:pt x="15559" y="3581"/>
+                    <a:pt x="14572" y="4569"/>
+                  </a:cubicBezTo>
+                  <a:lnTo>
+                    <a:pt x="6792" y="12349"/>
+                  </a:lnTo>
+                  <a:lnTo>
+                    <a:pt x="14572" y="20128"/>
+                  </a:lnTo>
+                  <a:cubicBezTo>
+                    <a:pt x="15559" y="21240"/>
+                    <a:pt x="15559" y="22845"/>
+                    <a:pt x="14572" y="23957"/>
+                  </a:cubicBezTo>
+                  <a:cubicBezTo>
+                    <a:pt x="13460" y="24944"/>
+                    <a:pt x="11731" y="24944"/>
+                    <a:pt x="10743" y="23957"/>
+                  </a:cubicBezTo>
+                  <a:lnTo>
+                    <a:pt x="988" y="14325"/>
+                  </a:lnTo>
+                  <a:cubicBezTo>
+                    <a:pt x="0" y="13213"/>
+                    <a:pt x="0" y="11484"/>
+                    <a:pt x="988" y="10496"/>
+                  </a:cubicBezTo>
+                  <a:lnTo>
+                    <a:pt x="10743" y="741"/>
+                  </a:lnTo>
+                  <a:cubicBezTo>
+                    <a:pt x="11237" y="247"/>
+                    <a:pt x="11978" y="0"/>
+                    <a:pt x="12596" y="0"/>
+                  </a:cubicBezTo>
+                  <a:close/>
+                </a:path>
+              </a:pathLst>
+            </a:custGeom>
+            <a:solidFill>
+              <a:schemeClr val="accent2"/>
+            </a:solidFill>
+            <a:ln>
+              <a:noFill/>
+            </a:ln>
+          </p:spPr>
+          <p:txBody>
+            <a:bodyPr spcFirstLastPara="1" wrap="square" lIns="91425" tIns="91425" rIns="91425" bIns="91425" anchor="ctr" anchorCtr="0">
+              <a:noAutofit/>
+            </a:bodyPr>
+            <a:lstStyle/>
+            <a:p>
+              <a:pPr marL="0" lvl="0" indent="0" algn="l" rtl="0">
+                <a:spcBef>
+                  <a:spcPts val="0"/>
+                </a:spcBef>
+                <a:spcAft>
+                  <a:spcPts val="0"/>
+                </a:spcAft>
+                <a:buNone/>
+              </a:pPr>
+              <a:endParaRPr/>
+            </a:p>
+          </p:txBody>
+        </p:sp>
+        <p:sp>
+          <p:nvSpPr>
+            <p:cNvPr id="2732" name="Google Shape;2732;p34"/>
+            <p:cNvSpPr/>
+            <p:nvPr/>
+          </p:nvSpPr>
+          <p:spPr>
+            <a:xfrm>
+              <a:off x="4186625" y="2601250"/>
+              <a:ext cx="389000" cy="623625"/>
+            </a:xfrm>
+            <a:custGeom>
+              <a:avLst/>
+              <a:gdLst/>
+              <a:ahLst/>
+              <a:cxnLst/>
+              <a:rect l="l" t="t" r="r" b="b"/>
+              <a:pathLst>
+                <a:path w="15560" h="24945" extrusionOk="0">
+                  <a:moveTo>
+                    <a:pt x="12596" y="0"/>
+                  </a:moveTo>
+                  <a:cubicBezTo>
+                    <a:pt x="13337" y="0"/>
+                    <a:pt x="13955" y="247"/>
+                    <a:pt x="14572" y="741"/>
+                  </a:cubicBezTo>
+                  <a:cubicBezTo>
+                    <a:pt x="15560" y="1852"/>
+                    <a:pt x="15560" y="3581"/>
+                    <a:pt x="14572" y="4569"/>
+                  </a:cubicBezTo>
+                  <a:lnTo>
+                    <a:pt x="6792" y="12349"/>
+                  </a:lnTo>
+                  <a:lnTo>
+                    <a:pt x="14572" y="20128"/>
+                  </a:lnTo>
+                  <a:cubicBezTo>
+                    <a:pt x="15560" y="21240"/>
+                    <a:pt x="15560" y="22845"/>
+                    <a:pt x="14572" y="23957"/>
+                  </a:cubicBezTo>
+                  <a:cubicBezTo>
+                    <a:pt x="13461" y="24944"/>
+                    <a:pt x="11732" y="24944"/>
+                    <a:pt x="10744" y="23957"/>
+                  </a:cubicBezTo>
+                  <a:lnTo>
+                    <a:pt x="988" y="14325"/>
+                  </a:lnTo>
+                  <a:cubicBezTo>
+                    <a:pt x="0" y="13213"/>
+                    <a:pt x="0" y="11484"/>
+                    <a:pt x="988" y="10496"/>
+                  </a:cubicBezTo>
+                  <a:lnTo>
+                    <a:pt x="10744" y="741"/>
+                  </a:lnTo>
+                  <a:cubicBezTo>
+                    <a:pt x="11238" y="247"/>
+                    <a:pt x="11979" y="0"/>
+                    <a:pt x="12596" y="0"/>
+                  </a:cubicBezTo>
+                  <a:close/>
+                </a:path>
+              </a:pathLst>
+            </a:custGeom>
+            <a:solidFill>
+              <a:schemeClr val="accent2"/>
+            </a:solidFill>
+            <a:ln>
+              <a:noFill/>
+            </a:ln>
+          </p:spPr>
+          <p:txBody>
+            <a:bodyPr spcFirstLastPara="1" wrap="square" lIns="91425" tIns="91425" rIns="91425" bIns="91425" anchor="ctr" anchorCtr="0">
+              <a:noAutofit/>
+            </a:bodyPr>
+            <a:lstStyle/>
+            <a:p>
+              <a:pPr marL="0" lvl="0" indent="0" algn="l" rtl="0">
+                <a:spcBef>
+                  <a:spcPts val="0"/>
+                </a:spcBef>
+                <a:spcAft>
+                  <a:spcPts val="0"/>
+                </a:spcAft>
+                <a:buNone/>
+              </a:pPr>
+              <a:endParaRPr/>
+            </a:p>
+          </p:txBody>
+        </p:sp>
+      </p:grpSp>
+    </p:spTree>
+    <p:extLst>
+      <p:ext uri="{BB962C8B-B14F-4D97-AF65-F5344CB8AC3E}">
+        <p14:creationId xmlns:p14="http://schemas.microsoft.com/office/powerpoint/2010/main" val="2518853748"/>
+      </p:ext>
+    </p:extLst>
+  </p:cSld>
+  <p:clrMapOvr>
+    <a:masterClrMapping/>
+  </p:clrMapOvr>
+</p:sld>
+</file>
+
+<file path=ppt/slides/slide12.xml><?xml version="1.0" encoding="utf-8"?>
+<p:sld xmlns:a="http://schemas.openxmlformats.org/drawingml/2006/main" xmlns:r="http://schemas.openxmlformats.org/officeDocument/2006/relationships" xmlns:p="http://schemas.openxmlformats.org/presentationml/2006/main">
+  <p:cSld>
+    <p:spTree>
+      <p:nvGrpSpPr>
+        <p:cNvPr id="1" name="Shape 2723"/>
+        <p:cNvGrpSpPr/>
+        <p:nvPr/>
+      </p:nvGrpSpPr>
+      <p:grpSpPr>
+        <a:xfrm>
+          <a:off x="0" y="0"/>
+          <a:ext cx="0" cy="0"/>
+          <a:chOff x="0" y="0"/>
+          <a:chExt cx="0" cy="0"/>
+        </a:xfrm>
+      </p:grpSpPr>
       <p:grpSp>
         <p:nvGrpSpPr>
           <p:cNvPr id="2726" name="Google Shape;2726;p34"/>
@@ -34268,6 +36078,245 @@
   <p:cSld>
     <p:spTree>
       <p:nvGrpSpPr>
+        <p:cNvPr id="1" name=""/>
+        <p:cNvGrpSpPr/>
+        <p:nvPr/>
+      </p:nvGrpSpPr>
+      <p:grpSpPr>
+        <a:xfrm>
+          <a:off x="0" y="0"/>
+          <a:ext cx="0" cy="0"/>
+          <a:chOff x="0" y="0"/>
+          <a:chExt cx="0" cy="0"/>
+        </a:xfrm>
+      </p:grpSpPr>
+      <p:sp>
+        <p:nvSpPr>
+          <p:cNvPr id="2" name="標題 1">
+            <a:extLst>
+              <a:ext uri="{FF2B5EF4-FFF2-40B4-BE49-F238E27FC236}">
+                <a16:creationId xmlns:a16="http://schemas.microsoft.com/office/drawing/2014/main" id="{3F7A8223-39E1-4E2C-A1FF-05103DCA5363}"/>
+              </a:ext>
+            </a:extLst>
+          </p:cNvPr>
+          <p:cNvSpPr>
+            <a:spLocks noGrp="1"/>
+          </p:cNvSpPr>
+          <p:nvPr>
+            <p:ph type="title"/>
+          </p:nvPr>
+        </p:nvSpPr>
+        <p:spPr/>
+        <p:txBody>
+          <a:bodyPr/>
+          <a:lstStyle/>
+          <a:p>
+            <a:r>
+              <a:rPr lang="en-US" sz="3200" b="1" cap="none" spc="0" dirty="0">
+                <a:ln w="12700" cmpd="sng">
+                  <a:solidFill>
+                    <a:schemeClr val="accent4"/>
+                  </a:solidFill>
+                  <a:prstDash val="solid"/>
+                </a:ln>
+                <a:gradFill>
+                  <a:gsLst>
+                    <a:gs pos="0">
+                      <a:schemeClr val="accent4"/>
+                    </a:gs>
+                    <a:gs pos="4000">
+                      <a:schemeClr val="accent4">
+                        <a:lumMod val="60000"/>
+                        <a:lumOff val="40000"/>
+                      </a:schemeClr>
+                    </a:gs>
+                    <a:gs pos="87000">
+                      <a:schemeClr val="accent4">
+                        <a:lumMod val="20000"/>
+                        <a:lumOff val="80000"/>
+                      </a:schemeClr>
+                    </a:gs>
+                  </a:gsLst>
+                  <a:lin ang="5400000"/>
+                </a:gradFill>
+                <a:effectLst/>
+              </a:rPr>
+              <a:t>Architectural</a:t>
+            </a:r>
+            <a:endParaRPr lang="en-CA" dirty="0"/>
+          </a:p>
+        </p:txBody>
+      </p:sp>
+      <p:pic>
+        <p:nvPicPr>
+          <p:cNvPr id="5" name="圖片 4">
+            <a:extLst>
+              <a:ext uri="{FF2B5EF4-FFF2-40B4-BE49-F238E27FC236}">
+                <a16:creationId xmlns:a16="http://schemas.microsoft.com/office/drawing/2014/main" id="{A0A0A2D0-D5A9-4E55-B2A2-E02359BBC963}"/>
+              </a:ext>
+            </a:extLst>
+          </p:cNvPr>
+          <p:cNvPicPr>
+            <a:picLocks noChangeAspect="1"/>
+          </p:cNvPicPr>
+          <p:nvPr/>
+        </p:nvPicPr>
+        <p:blipFill>
+          <a:blip r:embed="rId2"/>
+          <a:stretch>
+            <a:fillRect/>
+          </a:stretch>
+        </p:blipFill>
+        <p:spPr>
+          <a:xfrm>
+            <a:off x="1861162" y="1112100"/>
+            <a:ext cx="5148823" cy="3967316"/>
+          </a:xfrm>
+          <a:prstGeom prst="rect">
+            <a:avLst/>
+          </a:prstGeom>
+        </p:spPr>
+      </p:pic>
+    </p:spTree>
+    <p:extLst>
+      <p:ext uri="{BB962C8B-B14F-4D97-AF65-F5344CB8AC3E}">
+        <p14:creationId xmlns:p14="http://schemas.microsoft.com/office/powerpoint/2010/main" val="3287442280"/>
+      </p:ext>
+    </p:extLst>
+  </p:cSld>
+  <p:clrMapOvr>
+    <a:masterClrMapping/>
+  </p:clrMapOvr>
+</p:sld>
+</file>
+
+<file path=ppt/slides/slide8.xml><?xml version="1.0" encoding="utf-8"?>
+<p:sld xmlns:a="http://schemas.openxmlformats.org/drawingml/2006/main" xmlns:r="http://schemas.openxmlformats.org/officeDocument/2006/relationships" xmlns:p="http://schemas.openxmlformats.org/presentationml/2006/main">
+  <p:cSld>
+    <p:spTree>
+      <p:nvGrpSpPr>
+        <p:cNvPr id="1" name=""/>
+        <p:cNvGrpSpPr/>
+        <p:nvPr/>
+      </p:nvGrpSpPr>
+      <p:grpSpPr>
+        <a:xfrm>
+          <a:off x="0" y="0"/>
+          <a:ext cx="0" cy="0"/>
+          <a:chOff x="0" y="0"/>
+          <a:chExt cx="0" cy="0"/>
+        </a:xfrm>
+      </p:grpSpPr>
+      <p:pic>
+        <p:nvPicPr>
+          <p:cNvPr id="5" name="圖片 4">
+            <a:extLst>
+              <a:ext uri="{FF2B5EF4-FFF2-40B4-BE49-F238E27FC236}">
+                <a16:creationId xmlns:a16="http://schemas.microsoft.com/office/drawing/2014/main" id="{D4187B21-19EF-4825-ABD6-1FF2692D89EA}"/>
+              </a:ext>
+            </a:extLst>
+          </p:cNvPr>
+          <p:cNvPicPr>
+            <a:picLocks noChangeAspect="1"/>
+          </p:cNvPicPr>
+          <p:nvPr/>
+        </p:nvPicPr>
+        <p:blipFill>
+          <a:blip r:embed="rId2"/>
+          <a:stretch>
+            <a:fillRect/>
+          </a:stretch>
+        </p:blipFill>
+        <p:spPr>
+          <a:xfrm>
+            <a:off x="1151510" y="1135185"/>
+            <a:ext cx="5610625" cy="3680150"/>
+          </a:xfrm>
+          <a:prstGeom prst="rect">
+            <a:avLst/>
+          </a:prstGeom>
+        </p:spPr>
+      </p:pic>
+      <p:sp>
+        <p:nvSpPr>
+          <p:cNvPr id="6" name="標題 1">
+            <a:extLst>
+              <a:ext uri="{FF2B5EF4-FFF2-40B4-BE49-F238E27FC236}">
+                <a16:creationId xmlns:a16="http://schemas.microsoft.com/office/drawing/2014/main" id="{96C6F2FA-C3DE-4D37-AA1A-CEA3B760F9B2}"/>
+              </a:ext>
+            </a:extLst>
+          </p:cNvPr>
+          <p:cNvSpPr>
+            <a:spLocks noGrp="1"/>
+          </p:cNvSpPr>
+          <p:nvPr>
+            <p:ph type="title"/>
+          </p:nvPr>
+        </p:nvSpPr>
+        <p:spPr>
+          <a:xfrm>
+            <a:off x="713100" y="539400"/>
+            <a:ext cx="7717800" cy="572700"/>
+          </a:xfrm>
+        </p:spPr>
+        <p:txBody>
+          <a:bodyPr/>
+          <a:lstStyle/>
+          <a:p>
+            <a:r>
+              <a:rPr lang="en-US" sz="3200" b="1" cap="none" spc="0">
+                <a:ln w="12700" cmpd="sng">
+                  <a:solidFill>
+                    <a:schemeClr val="accent4"/>
+                  </a:solidFill>
+                  <a:prstDash val="solid"/>
+                </a:ln>
+                <a:gradFill>
+                  <a:gsLst>
+                    <a:gs pos="0">
+                      <a:schemeClr val="accent4"/>
+                    </a:gs>
+                    <a:gs pos="4000">
+                      <a:schemeClr val="accent4">
+                        <a:lumMod val="60000"/>
+                        <a:lumOff val="40000"/>
+                      </a:schemeClr>
+                    </a:gs>
+                    <a:gs pos="87000">
+                      <a:schemeClr val="accent4">
+                        <a:lumMod val="20000"/>
+                        <a:lumOff val="80000"/>
+                      </a:schemeClr>
+                    </a:gs>
+                  </a:gsLst>
+                  <a:lin ang="5400000"/>
+                </a:gradFill>
+                <a:effectLst/>
+              </a:rPr>
+              <a:t>UX Decision</a:t>
+            </a:r>
+            <a:endParaRPr lang="en-CA" dirty="0"/>
+          </a:p>
+        </p:txBody>
+      </p:sp>
+    </p:spTree>
+    <p:extLst>
+      <p:ext uri="{BB962C8B-B14F-4D97-AF65-F5344CB8AC3E}">
+        <p14:creationId xmlns:p14="http://schemas.microsoft.com/office/powerpoint/2010/main" val="3831602908"/>
+      </p:ext>
+    </p:extLst>
+  </p:cSld>
+  <p:clrMapOvr>
+    <a:masterClrMapping/>
+  </p:clrMapOvr>
+</p:sld>
+</file>
+
+<file path=ppt/slides/slide9.xml><?xml version="1.0" encoding="utf-8"?>
+<p:sld xmlns:a="http://schemas.openxmlformats.org/drawingml/2006/main" xmlns:r="http://schemas.openxmlformats.org/officeDocument/2006/relationships" xmlns:p="http://schemas.openxmlformats.org/presentationml/2006/main">
+  <p:cSld>
+    <p:spTree>
+      <p:nvGrpSpPr>
         <p:cNvPr id="1" name="Shape 2723"/>
         <p:cNvGrpSpPr/>
         <p:nvPr/>
@@ -35149,1786 +37198,6 @@
     <p:extLst>
       <p:ext uri="{BB962C8B-B14F-4D97-AF65-F5344CB8AC3E}">
         <p14:creationId xmlns:p14="http://schemas.microsoft.com/office/powerpoint/2010/main" val="4224628842"/>
-      </p:ext>
-    </p:extLst>
-  </p:cSld>
-  <p:clrMapOvr>
-    <a:masterClrMapping/>
-  </p:clrMapOvr>
-</p:sld>
-</file>
-
-<file path=ppt/slides/slide8.xml><?xml version="1.0" encoding="utf-8"?>
-<p:sld xmlns:a="http://schemas.openxmlformats.org/drawingml/2006/main" xmlns:r="http://schemas.openxmlformats.org/officeDocument/2006/relationships" xmlns:p="http://schemas.openxmlformats.org/presentationml/2006/main">
-  <p:cSld>
-    <p:spTree>
-      <p:nvGrpSpPr>
-        <p:cNvPr id="1" name="Shape 2723"/>
-        <p:cNvGrpSpPr/>
-        <p:nvPr/>
-      </p:nvGrpSpPr>
-      <p:grpSpPr>
-        <a:xfrm>
-          <a:off x="0" y="0"/>
-          <a:ext cx="0" cy="0"/>
-          <a:chOff x="0" y="0"/>
-          <a:chExt cx="0" cy="0"/>
-        </a:xfrm>
-      </p:grpSpPr>
-      <p:sp>
-        <p:nvSpPr>
-          <p:cNvPr id="2724" name="Google Shape;2724;p34"/>
-          <p:cNvSpPr txBox="1">
-            <a:spLocks noGrp="1"/>
-          </p:cNvSpPr>
-          <p:nvPr>
-            <p:ph type="title"/>
-          </p:nvPr>
-        </p:nvSpPr>
-        <p:spPr>
-          <a:xfrm>
-            <a:off x="713100" y="539400"/>
-            <a:ext cx="7717800" cy="572700"/>
-          </a:xfrm>
-          <a:prstGeom prst="rect">
-            <a:avLst/>
-          </a:prstGeom>
-          <a:effectLst>
-            <a:outerShdw blurRad="142875" algn="bl" rotWithShape="0">
-              <a:schemeClr val="accent2">
-                <a:alpha val="40000"/>
-              </a:schemeClr>
-            </a:outerShdw>
-          </a:effectLst>
-        </p:spPr>
-        <p:txBody>
-          <a:bodyPr spcFirstLastPara="1" wrap="square" lIns="91425" tIns="91425" rIns="91425" bIns="91425" anchor="ctr" anchorCtr="0">
-            <a:noAutofit/>
-          </a:bodyPr>
-          <a:lstStyle/>
-          <a:p>
-            <a:pPr marL="0" lvl="0" indent="0" algn="l" rtl="0">
-              <a:spcBef>
-                <a:spcPts val="0"/>
-              </a:spcBef>
-              <a:spcAft>
-                <a:spcPts val="0"/>
-              </a:spcAft>
-              <a:buNone/>
-            </a:pPr>
-            <a:r>
-              <a:rPr lang="en" sz="2800" dirty="0">
-                <a:solidFill>
-                  <a:schemeClr val="accent2"/>
-                </a:solidFill>
-              </a:rPr>
-              <a:t>Conclusion – Iana</a:t>
-            </a:r>
-            <a:endParaRPr sz="2800" dirty="0">
-              <a:solidFill>
-                <a:schemeClr val="accent2"/>
-              </a:solidFill>
-            </a:endParaRPr>
-          </a:p>
-        </p:txBody>
-      </p:sp>
-      <p:sp>
-        <p:nvSpPr>
-          <p:cNvPr id="2725" name="Google Shape;2725;p34"/>
-          <p:cNvSpPr txBox="1">
-            <a:spLocks noGrp="1"/>
-          </p:cNvSpPr>
-          <p:nvPr>
-            <p:ph type="body" idx="1"/>
-          </p:nvPr>
-        </p:nvSpPr>
-        <p:spPr>
-          <a:xfrm>
-            <a:off x="713100" y="1187700"/>
-            <a:ext cx="7717800" cy="3416400"/>
-          </a:xfrm>
-          <a:prstGeom prst="rect">
-            <a:avLst/>
-          </a:prstGeom>
-        </p:spPr>
-        <p:txBody>
-          <a:bodyPr spcFirstLastPara="1" wrap="square" lIns="91425" tIns="91425" rIns="91425" bIns="91425" anchor="t" anchorCtr="0">
-            <a:noAutofit/>
-          </a:bodyPr>
-          <a:lstStyle/>
-          <a:p>
-            <a:pPr marL="171450" lvl="0" indent="-171450" algn="l" rtl="0">
-              <a:spcBef>
-                <a:spcPts val="0"/>
-              </a:spcBef>
-              <a:spcAft>
-                <a:spcPts val="0"/>
-              </a:spcAft>
-              <a:buClr>
-                <a:schemeClr val="bg1"/>
-              </a:buClr>
-              <a:buSzPts val="1100"/>
-              <a:buFont typeface="Arial" panose="020B0604020202020204" pitchFamily="34" charset="0"/>
-              <a:buChar char="•"/>
-            </a:pPr>
-            <a:r>
-              <a:rPr lang="en-US" sz="1800" dirty="0">
-                <a:latin typeface="Arial" panose="020B0604020202020204" pitchFamily="34" charset="0"/>
-                <a:ea typeface="PMingLiU" panose="02020500000000000000" pitchFamily="18" charset="-120"/>
-              </a:rPr>
-              <a:t>Most useful: LINQ &amp; </a:t>
-            </a:r>
-            <a:r>
-              <a:rPr lang="en-US" sz="1800">
-                <a:latin typeface="Arial" panose="020B0604020202020204" pitchFamily="34" charset="0"/>
-                <a:ea typeface="PMingLiU" panose="02020500000000000000" pitchFamily="18" charset="-120"/>
-              </a:rPr>
-              <a:t>EF Core</a:t>
-            </a:r>
-          </a:p>
-          <a:p>
-            <a:pPr marL="0" lvl="0" indent="0" algn="l" rtl="0">
-              <a:spcBef>
-                <a:spcPts val="0"/>
-              </a:spcBef>
-              <a:spcAft>
-                <a:spcPts val="0"/>
-              </a:spcAft>
-              <a:buClr>
-                <a:schemeClr val="bg1"/>
-              </a:buClr>
-              <a:buSzPts val="1100"/>
-              <a:buNone/>
-            </a:pPr>
-            <a:endParaRPr lang="en-US" sz="1800" dirty="0">
-              <a:latin typeface="Arial" panose="020B0604020202020204" pitchFamily="34" charset="0"/>
-              <a:ea typeface="PMingLiU" panose="02020500000000000000" pitchFamily="18" charset="-120"/>
-            </a:endParaRPr>
-          </a:p>
-          <a:p>
-            <a:pPr marL="171450" lvl="0" indent="-171450">
-              <a:buClr>
-                <a:schemeClr val="bg1"/>
-              </a:buClr>
-              <a:buSzPts val="1100"/>
-              <a:buFont typeface="Arial" panose="020B0604020202020204" pitchFamily="34" charset="0"/>
-              <a:buChar char="•"/>
-            </a:pPr>
-            <a:r>
-              <a:rPr lang="en-US" sz="1800" dirty="0">
-                <a:latin typeface="Arial" panose="020B0604020202020204" pitchFamily="34" charset="0"/>
-                <a:ea typeface="PMingLiU" panose="02020500000000000000" pitchFamily="18" charset="-120"/>
-              </a:rPr>
-              <a:t>Least useful: </a:t>
-            </a:r>
-            <a:r>
-              <a:rPr lang="en-US" sz="1800" dirty="0" err="1"/>
-              <a:t>ADO.net</a:t>
-            </a:r>
-            <a:r>
-              <a:rPr lang="en-US" sz="1800" dirty="0"/>
-              <a:t> Connected Layer </a:t>
-            </a:r>
-            <a:endParaRPr lang="en-US" sz="1800" dirty="0">
-              <a:latin typeface="Arial" panose="020B0604020202020204" pitchFamily="34" charset="0"/>
-              <a:ea typeface="PMingLiU" panose="02020500000000000000" pitchFamily="18" charset="-120"/>
-            </a:endParaRPr>
-          </a:p>
-          <a:p>
-            <a:pPr marL="171450" lvl="0" indent="-171450" algn="l" rtl="0">
-              <a:spcBef>
-                <a:spcPts val="0"/>
-              </a:spcBef>
-              <a:spcAft>
-                <a:spcPts val="0"/>
-              </a:spcAft>
-              <a:buClr>
-                <a:schemeClr val="bg1"/>
-              </a:buClr>
-              <a:buSzPts val="1100"/>
-              <a:buFont typeface="Arial" panose="020B0604020202020204" pitchFamily="34" charset="0"/>
-              <a:buChar char="•"/>
-            </a:pPr>
-            <a:endParaRPr lang="en-US" sz="1800" dirty="0">
-              <a:latin typeface="Arial" panose="020B0604020202020204" pitchFamily="34" charset="0"/>
-              <a:ea typeface="PMingLiU" panose="02020500000000000000" pitchFamily="18" charset="-120"/>
-            </a:endParaRPr>
-          </a:p>
-          <a:p>
-            <a:pPr marL="171450" lvl="0" indent="-171450" algn="l" rtl="0">
-              <a:spcBef>
-                <a:spcPts val="0"/>
-              </a:spcBef>
-              <a:spcAft>
-                <a:spcPts val="0"/>
-              </a:spcAft>
-              <a:buClr>
-                <a:schemeClr val="bg1"/>
-              </a:buClr>
-              <a:buSzPts val="1100"/>
-              <a:buFont typeface="Arial" panose="020B0604020202020204" pitchFamily="34" charset="0"/>
-              <a:buChar char="•"/>
-            </a:pPr>
-            <a:r>
-              <a:rPr lang="en-US" sz="1800" dirty="0">
-                <a:latin typeface="Arial" panose="020B0604020202020204" pitchFamily="34" charset="0"/>
-                <a:ea typeface="PMingLiU" panose="02020500000000000000" pitchFamily="18" charset="-120"/>
-              </a:rPr>
-              <a:t>One topic add: Web applications </a:t>
-            </a:r>
-          </a:p>
-          <a:p>
-            <a:pPr marL="171450" lvl="0" indent="-171450" algn="l" rtl="0">
-              <a:spcBef>
-                <a:spcPts val="0"/>
-              </a:spcBef>
-              <a:spcAft>
-                <a:spcPts val="0"/>
-              </a:spcAft>
-              <a:buClr>
-                <a:schemeClr val="bg1"/>
-              </a:buClr>
-              <a:buSzPts val="1100"/>
-              <a:buFont typeface="Arial" panose="020B0604020202020204" pitchFamily="34" charset="0"/>
-              <a:buChar char="•"/>
-            </a:pPr>
-            <a:endParaRPr lang="en-US" sz="1800" dirty="0">
-              <a:latin typeface="Arial" panose="020B0604020202020204" pitchFamily="34" charset="0"/>
-              <a:ea typeface="PMingLiU" panose="02020500000000000000" pitchFamily="18" charset="-120"/>
-            </a:endParaRPr>
-          </a:p>
-          <a:p>
-            <a:pPr marL="171450" lvl="0" indent="-171450">
-              <a:buClr>
-                <a:schemeClr val="bg1"/>
-              </a:buClr>
-              <a:buSzPts val="1100"/>
-              <a:buFont typeface="Arial" panose="020B0604020202020204" pitchFamily="34" charset="0"/>
-              <a:buChar char="•"/>
-            </a:pPr>
-            <a:r>
-              <a:rPr lang="en-US" sz="1800" dirty="0">
-                <a:latin typeface="Arial" panose="020B0604020202020204" pitchFamily="34" charset="0"/>
-                <a:ea typeface="PMingLiU" panose="02020500000000000000" pitchFamily="18" charset="-120"/>
-              </a:rPr>
-              <a:t>On topic remove: </a:t>
-            </a:r>
-            <a:r>
-              <a:rPr lang="en-US" sz="1800" dirty="0" err="1"/>
-              <a:t>ADO.net</a:t>
-            </a:r>
-            <a:r>
-              <a:rPr lang="en-US" sz="1800" dirty="0"/>
-              <a:t> Connected Layer </a:t>
-            </a:r>
-            <a:endParaRPr lang="en-US" sz="1800" dirty="0">
-              <a:latin typeface="Arial" panose="020B0604020202020204" pitchFamily="34" charset="0"/>
-              <a:ea typeface="PMingLiU" panose="02020500000000000000" pitchFamily="18" charset="-120"/>
-            </a:endParaRPr>
-          </a:p>
-          <a:p>
-            <a:pPr marL="171450" lvl="0" indent="-171450" algn="l" rtl="0">
-              <a:spcBef>
-                <a:spcPts val="0"/>
-              </a:spcBef>
-              <a:spcAft>
-                <a:spcPts val="0"/>
-              </a:spcAft>
-              <a:buClr>
-                <a:schemeClr val="bg1"/>
-              </a:buClr>
-              <a:buSzPts val="1100"/>
-              <a:buFont typeface="Arial" panose="020B0604020202020204" pitchFamily="34" charset="0"/>
-              <a:buChar char="•"/>
-            </a:pPr>
-            <a:endParaRPr lang="en-US" sz="1800" dirty="0">
-              <a:latin typeface="Arial" panose="020B0604020202020204" pitchFamily="34" charset="0"/>
-              <a:ea typeface="PMingLiU" panose="02020500000000000000" pitchFamily="18" charset="-120"/>
-            </a:endParaRPr>
-          </a:p>
-          <a:p>
-            <a:pPr marL="171450" lvl="0" indent="-171450" algn="l" rtl="0">
-              <a:spcBef>
-                <a:spcPts val="0"/>
-              </a:spcBef>
-              <a:spcAft>
-                <a:spcPts val="0"/>
-              </a:spcAft>
-              <a:buClr>
-                <a:schemeClr val="dk1"/>
-              </a:buClr>
-              <a:buSzPts val="1100"/>
-              <a:buFont typeface="Arial" panose="020B0604020202020204" pitchFamily="34" charset="0"/>
-              <a:buChar char="•"/>
-            </a:pPr>
-            <a:endParaRPr dirty="0"/>
-          </a:p>
-        </p:txBody>
-      </p:sp>
-      <p:grpSp>
-        <p:nvGrpSpPr>
-          <p:cNvPr id="2726" name="Google Shape;2726;p34"/>
-          <p:cNvGrpSpPr/>
-          <p:nvPr/>
-        </p:nvGrpSpPr>
-        <p:grpSpPr>
-          <a:xfrm>
-            <a:off x="7126489" y="852727"/>
-            <a:ext cx="883262" cy="242091"/>
-            <a:chOff x="2300350" y="2601250"/>
-            <a:chExt cx="2275275" cy="623625"/>
-          </a:xfrm>
-        </p:grpSpPr>
-        <p:sp>
-          <p:nvSpPr>
-            <p:cNvPr id="2727" name="Google Shape;2727;p34"/>
-            <p:cNvSpPr/>
-            <p:nvPr/>
-          </p:nvSpPr>
-          <p:spPr>
-            <a:xfrm>
-              <a:off x="2300350" y="2601250"/>
-              <a:ext cx="392100" cy="623625"/>
-            </a:xfrm>
-            <a:custGeom>
-              <a:avLst/>
-              <a:gdLst/>
-              <a:ahLst/>
-              <a:cxnLst/>
-              <a:rect l="l" t="t" r="r" b="b"/>
-              <a:pathLst>
-                <a:path w="15684" h="24945" extrusionOk="0">
-                  <a:moveTo>
-                    <a:pt x="12720" y="0"/>
-                  </a:moveTo>
-                  <a:cubicBezTo>
-                    <a:pt x="13337" y="0"/>
-                    <a:pt x="14078" y="247"/>
-                    <a:pt x="14572" y="741"/>
-                  </a:cubicBezTo>
-                  <a:cubicBezTo>
-                    <a:pt x="15684" y="1852"/>
-                    <a:pt x="15684" y="3581"/>
-                    <a:pt x="14572" y="4569"/>
-                  </a:cubicBezTo>
-                  <a:lnTo>
-                    <a:pt x="6792" y="12349"/>
-                  </a:lnTo>
-                  <a:lnTo>
-                    <a:pt x="14572" y="20128"/>
-                  </a:lnTo>
-                  <a:cubicBezTo>
-                    <a:pt x="15684" y="21240"/>
-                    <a:pt x="15684" y="22845"/>
-                    <a:pt x="14572" y="23957"/>
-                  </a:cubicBezTo>
-                  <a:cubicBezTo>
-                    <a:pt x="13584" y="24944"/>
-                    <a:pt x="11855" y="24944"/>
-                    <a:pt x="10744" y="23957"/>
-                  </a:cubicBezTo>
-                  <a:lnTo>
-                    <a:pt x="1112" y="14325"/>
-                  </a:lnTo>
-                  <a:cubicBezTo>
-                    <a:pt x="1" y="13213"/>
-                    <a:pt x="1" y="11484"/>
-                    <a:pt x="1112" y="10496"/>
-                  </a:cubicBezTo>
-                  <a:lnTo>
-                    <a:pt x="10744" y="741"/>
-                  </a:lnTo>
-                  <a:cubicBezTo>
-                    <a:pt x="11361" y="247"/>
-                    <a:pt x="11979" y="0"/>
-                    <a:pt x="12720" y="0"/>
-                  </a:cubicBezTo>
-                  <a:close/>
-                </a:path>
-              </a:pathLst>
-            </a:custGeom>
-            <a:solidFill>
-              <a:schemeClr val="accent2"/>
-            </a:solidFill>
-            <a:ln>
-              <a:noFill/>
-            </a:ln>
-          </p:spPr>
-          <p:txBody>
-            <a:bodyPr spcFirstLastPara="1" wrap="square" lIns="91425" tIns="91425" rIns="91425" bIns="91425" anchor="ctr" anchorCtr="0">
-              <a:noAutofit/>
-            </a:bodyPr>
-            <a:lstStyle/>
-            <a:p>
-              <a:pPr marL="0" lvl="0" indent="0" algn="l" rtl="0">
-                <a:spcBef>
-                  <a:spcPts val="0"/>
-                </a:spcBef>
-                <a:spcAft>
-                  <a:spcPts val="0"/>
-                </a:spcAft>
-                <a:buNone/>
-              </a:pPr>
-              <a:endParaRPr/>
-            </a:p>
-          </p:txBody>
-        </p:sp>
-        <p:sp>
-          <p:nvSpPr>
-            <p:cNvPr id="2728" name="Google Shape;2728;p34"/>
-            <p:cNvSpPr/>
-            <p:nvPr/>
-          </p:nvSpPr>
-          <p:spPr>
-            <a:xfrm>
-              <a:off x="2680075" y="2601250"/>
-              <a:ext cx="389025" cy="623625"/>
-            </a:xfrm>
-            <a:custGeom>
-              <a:avLst/>
-              <a:gdLst/>
-              <a:ahLst/>
-              <a:cxnLst/>
-              <a:rect l="l" t="t" r="r" b="b"/>
-              <a:pathLst>
-                <a:path w="15561" h="24945" extrusionOk="0">
-                  <a:moveTo>
-                    <a:pt x="12596" y="0"/>
-                  </a:moveTo>
-                  <a:cubicBezTo>
-                    <a:pt x="13337" y="0"/>
-                    <a:pt x="13955" y="247"/>
-                    <a:pt x="14449" y="741"/>
-                  </a:cubicBezTo>
-                  <a:cubicBezTo>
-                    <a:pt x="15560" y="1852"/>
-                    <a:pt x="15560" y="3581"/>
-                    <a:pt x="14449" y="4569"/>
-                  </a:cubicBezTo>
-                  <a:lnTo>
-                    <a:pt x="6669" y="12349"/>
-                  </a:lnTo>
-                  <a:lnTo>
-                    <a:pt x="14449" y="20128"/>
-                  </a:lnTo>
-                  <a:cubicBezTo>
-                    <a:pt x="15560" y="21240"/>
-                    <a:pt x="15560" y="22845"/>
-                    <a:pt x="14449" y="23957"/>
-                  </a:cubicBezTo>
-                  <a:cubicBezTo>
-                    <a:pt x="13461" y="24944"/>
-                    <a:pt x="11732" y="24944"/>
-                    <a:pt x="10621" y="23957"/>
-                  </a:cubicBezTo>
-                  <a:lnTo>
-                    <a:pt x="988" y="14325"/>
-                  </a:lnTo>
-                  <a:cubicBezTo>
-                    <a:pt x="1" y="13213"/>
-                    <a:pt x="1" y="11484"/>
-                    <a:pt x="988" y="10496"/>
-                  </a:cubicBezTo>
-                  <a:lnTo>
-                    <a:pt x="10621" y="741"/>
-                  </a:lnTo>
-                  <a:cubicBezTo>
-                    <a:pt x="11238" y="247"/>
-                    <a:pt x="11855" y="0"/>
-                    <a:pt x="12596" y="0"/>
-                  </a:cubicBezTo>
-                  <a:close/>
-                </a:path>
-              </a:pathLst>
-            </a:custGeom>
-            <a:solidFill>
-              <a:schemeClr val="accent2"/>
-            </a:solidFill>
-            <a:ln>
-              <a:noFill/>
-            </a:ln>
-          </p:spPr>
-          <p:txBody>
-            <a:bodyPr spcFirstLastPara="1" wrap="square" lIns="91425" tIns="91425" rIns="91425" bIns="91425" anchor="ctr" anchorCtr="0">
-              <a:noAutofit/>
-            </a:bodyPr>
-            <a:lstStyle/>
-            <a:p>
-              <a:pPr marL="0" lvl="0" indent="0" algn="l" rtl="0">
-                <a:spcBef>
-                  <a:spcPts val="0"/>
-                </a:spcBef>
-                <a:spcAft>
-                  <a:spcPts val="0"/>
-                </a:spcAft>
-                <a:buNone/>
-              </a:pPr>
-              <a:endParaRPr/>
-            </a:p>
-          </p:txBody>
-        </p:sp>
-        <p:sp>
-          <p:nvSpPr>
-            <p:cNvPr id="2729" name="Google Shape;2729;p34"/>
-            <p:cNvSpPr/>
-            <p:nvPr/>
-          </p:nvSpPr>
-          <p:spPr>
-            <a:xfrm>
-              <a:off x="3056725" y="2601250"/>
-              <a:ext cx="389000" cy="623625"/>
-            </a:xfrm>
-            <a:custGeom>
-              <a:avLst/>
-              <a:gdLst/>
-              <a:ahLst/>
-              <a:cxnLst/>
-              <a:rect l="l" t="t" r="r" b="b"/>
-              <a:pathLst>
-                <a:path w="15560" h="24945" extrusionOk="0">
-                  <a:moveTo>
-                    <a:pt x="12596" y="0"/>
-                  </a:moveTo>
-                  <a:cubicBezTo>
-                    <a:pt x="13337" y="0"/>
-                    <a:pt x="13954" y="247"/>
-                    <a:pt x="14448" y="741"/>
-                  </a:cubicBezTo>
-                  <a:cubicBezTo>
-                    <a:pt x="15559" y="1852"/>
-                    <a:pt x="15559" y="3581"/>
-                    <a:pt x="14448" y="4569"/>
-                  </a:cubicBezTo>
-                  <a:lnTo>
-                    <a:pt x="6792" y="12349"/>
-                  </a:lnTo>
-                  <a:lnTo>
-                    <a:pt x="14448" y="20128"/>
-                  </a:lnTo>
-                  <a:cubicBezTo>
-                    <a:pt x="15559" y="21240"/>
-                    <a:pt x="15559" y="22845"/>
-                    <a:pt x="14448" y="23957"/>
-                  </a:cubicBezTo>
-                  <a:cubicBezTo>
-                    <a:pt x="13460" y="24944"/>
-                    <a:pt x="11731" y="24944"/>
-                    <a:pt x="10743" y="23957"/>
-                  </a:cubicBezTo>
-                  <a:lnTo>
-                    <a:pt x="988" y="14325"/>
-                  </a:lnTo>
-                  <a:cubicBezTo>
-                    <a:pt x="0" y="13213"/>
-                    <a:pt x="0" y="11484"/>
-                    <a:pt x="988" y="10496"/>
-                  </a:cubicBezTo>
-                  <a:lnTo>
-                    <a:pt x="10743" y="741"/>
-                  </a:lnTo>
-                  <a:cubicBezTo>
-                    <a:pt x="11237" y="247"/>
-                    <a:pt x="11855" y="0"/>
-                    <a:pt x="12596" y="0"/>
-                  </a:cubicBezTo>
-                  <a:close/>
-                </a:path>
-              </a:pathLst>
-            </a:custGeom>
-            <a:solidFill>
-              <a:schemeClr val="accent2"/>
-            </a:solidFill>
-            <a:ln>
-              <a:noFill/>
-            </a:ln>
-          </p:spPr>
-          <p:txBody>
-            <a:bodyPr spcFirstLastPara="1" wrap="square" lIns="91425" tIns="91425" rIns="91425" bIns="91425" anchor="ctr" anchorCtr="0">
-              <a:noAutofit/>
-            </a:bodyPr>
-            <a:lstStyle/>
-            <a:p>
-              <a:pPr marL="0" lvl="0" indent="0" algn="l" rtl="0">
-                <a:spcBef>
-                  <a:spcPts val="0"/>
-                </a:spcBef>
-                <a:spcAft>
-                  <a:spcPts val="0"/>
-                </a:spcAft>
-                <a:buNone/>
-              </a:pPr>
-              <a:endParaRPr/>
-            </a:p>
-          </p:txBody>
-        </p:sp>
-        <p:sp>
-          <p:nvSpPr>
-            <p:cNvPr id="2730" name="Google Shape;2730;p34"/>
-            <p:cNvSpPr/>
-            <p:nvPr/>
-          </p:nvSpPr>
-          <p:spPr>
-            <a:xfrm>
-              <a:off x="3433350" y="2601250"/>
-              <a:ext cx="389000" cy="623625"/>
-            </a:xfrm>
-            <a:custGeom>
-              <a:avLst/>
-              <a:gdLst/>
-              <a:ahLst/>
-              <a:cxnLst/>
-              <a:rect l="l" t="t" r="r" b="b"/>
-              <a:pathLst>
-                <a:path w="15560" h="24945" extrusionOk="0">
-                  <a:moveTo>
-                    <a:pt x="12596" y="0"/>
-                  </a:moveTo>
-                  <a:cubicBezTo>
-                    <a:pt x="13337" y="0"/>
-                    <a:pt x="13955" y="247"/>
-                    <a:pt x="14572" y="741"/>
-                  </a:cubicBezTo>
-                  <a:cubicBezTo>
-                    <a:pt x="15560" y="1852"/>
-                    <a:pt x="15560" y="3581"/>
-                    <a:pt x="14572" y="4569"/>
-                  </a:cubicBezTo>
-                  <a:lnTo>
-                    <a:pt x="6792" y="12349"/>
-                  </a:lnTo>
-                  <a:lnTo>
-                    <a:pt x="14572" y="20128"/>
-                  </a:lnTo>
-                  <a:cubicBezTo>
-                    <a:pt x="15560" y="21240"/>
-                    <a:pt x="15560" y="22845"/>
-                    <a:pt x="14572" y="23957"/>
-                  </a:cubicBezTo>
-                  <a:cubicBezTo>
-                    <a:pt x="13461" y="24944"/>
-                    <a:pt x="11732" y="24944"/>
-                    <a:pt x="10744" y="23957"/>
-                  </a:cubicBezTo>
-                  <a:lnTo>
-                    <a:pt x="988" y="14325"/>
-                  </a:lnTo>
-                  <a:cubicBezTo>
-                    <a:pt x="1" y="13213"/>
-                    <a:pt x="1" y="11484"/>
-                    <a:pt x="988" y="10496"/>
-                  </a:cubicBezTo>
-                  <a:lnTo>
-                    <a:pt x="10744" y="741"/>
-                  </a:lnTo>
-                  <a:cubicBezTo>
-                    <a:pt x="11238" y="247"/>
-                    <a:pt x="11979" y="0"/>
-                    <a:pt x="12596" y="0"/>
-                  </a:cubicBezTo>
-                  <a:close/>
-                </a:path>
-              </a:pathLst>
-            </a:custGeom>
-            <a:solidFill>
-              <a:schemeClr val="accent2"/>
-            </a:solidFill>
-            <a:ln>
-              <a:noFill/>
-            </a:ln>
-          </p:spPr>
-          <p:txBody>
-            <a:bodyPr spcFirstLastPara="1" wrap="square" lIns="91425" tIns="91425" rIns="91425" bIns="91425" anchor="ctr" anchorCtr="0">
-              <a:noAutofit/>
-            </a:bodyPr>
-            <a:lstStyle/>
-            <a:p>
-              <a:pPr marL="0" lvl="0" indent="0" algn="l" rtl="0">
-                <a:spcBef>
-                  <a:spcPts val="0"/>
-                </a:spcBef>
-                <a:spcAft>
-                  <a:spcPts val="0"/>
-                </a:spcAft>
-                <a:buNone/>
-              </a:pPr>
-              <a:endParaRPr/>
-            </a:p>
-          </p:txBody>
-        </p:sp>
-        <p:sp>
-          <p:nvSpPr>
-            <p:cNvPr id="2731" name="Google Shape;2731;p34"/>
-            <p:cNvSpPr/>
-            <p:nvPr/>
-          </p:nvSpPr>
-          <p:spPr>
-            <a:xfrm>
-              <a:off x="3810000" y="2601250"/>
-              <a:ext cx="389000" cy="623625"/>
-            </a:xfrm>
-            <a:custGeom>
-              <a:avLst/>
-              <a:gdLst/>
-              <a:ahLst/>
-              <a:cxnLst/>
-              <a:rect l="l" t="t" r="r" b="b"/>
-              <a:pathLst>
-                <a:path w="15560" h="24945" extrusionOk="0">
-                  <a:moveTo>
-                    <a:pt x="12596" y="0"/>
-                  </a:moveTo>
-                  <a:cubicBezTo>
-                    <a:pt x="13337" y="0"/>
-                    <a:pt x="13954" y="247"/>
-                    <a:pt x="14572" y="741"/>
-                  </a:cubicBezTo>
-                  <a:cubicBezTo>
-                    <a:pt x="15559" y="1852"/>
-                    <a:pt x="15559" y="3581"/>
-                    <a:pt x="14572" y="4569"/>
-                  </a:cubicBezTo>
-                  <a:lnTo>
-                    <a:pt x="6792" y="12349"/>
-                  </a:lnTo>
-                  <a:lnTo>
-                    <a:pt x="14572" y="20128"/>
-                  </a:lnTo>
-                  <a:cubicBezTo>
-                    <a:pt x="15559" y="21240"/>
-                    <a:pt x="15559" y="22845"/>
-                    <a:pt x="14572" y="23957"/>
-                  </a:cubicBezTo>
-                  <a:cubicBezTo>
-                    <a:pt x="13460" y="24944"/>
-                    <a:pt x="11731" y="24944"/>
-                    <a:pt x="10743" y="23957"/>
-                  </a:cubicBezTo>
-                  <a:lnTo>
-                    <a:pt x="988" y="14325"/>
-                  </a:lnTo>
-                  <a:cubicBezTo>
-                    <a:pt x="0" y="13213"/>
-                    <a:pt x="0" y="11484"/>
-                    <a:pt x="988" y="10496"/>
-                  </a:cubicBezTo>
-                  <a:lnTo>
-                    <a:pt x="10743" y="741"/>
-                  </a:lnTo>
-                  <a:cubicBezTo>
-                    <a:pt x="11237" y="247"/>
-                    <a:pt x="11978" y="0"/>
-                    <a:pt x="12596" y="0"/>
-                  </a:cubicBezTo>
-                  <a:close/>
-                </a:path>
-              </a:pathLst>
-            </a:custGeom>
-            <a:solidFill>
-              <a:schemeClr val="accent2"/>
-            </a:solidFill>
-            <a:ln>
-              <a:noFill/>
-            </a:ln>
-          </p:spPr>
-          <p:txBody>
-            <a:bodyPr spcFirstLastPara="1" wrap="square" lIns="91425" tIns="91425" rIns="91425" bIns="91425" anchor="ctr" anchorCtr="0">
-              <a:noAutofit/>
-            </a:bodyPr>
-            <a:lstStyle/>
-            <a:p>
-              <a:pPr marL="0" lvl="0" indent="0" algn="l" rtl="0">
-                <a:spcBef>
-                  <a:spcPts val="0"/>
-                </a:spcBef>
-                <a:spcAft>
-                  <a:spcPts val="0"/>
-                </a:spcAft>
-                <a:buNone/>
-              </a:pPr>
-              <a:endParaRPr/>
-            </a:p>
-          </p:txBody>
-        </p:sp>
-        <p:sp>
-          <p:nvSpPr>
-            <p:cNvPr id="2732" name="Google Shape;2732;p34"/>
-            <p:cNvSpPr/>
-            <p:nvPr/>
-          </p:nvSpPr>
-          <p:spPr>
-            <a:xfrm>
-              <a:off x="4186625" y="2601250"/>
-              <a:ext cx="389000" cy="623625"/>
-            </a:xfrm>
-            <a:custGeom>
-              <a:avLst/>
-              <a:gdLst/>
-              <a:ahLst/>
-              <a:cxnLst/>
-              <a:rect l="l" t="t" r="r" b="b"/>
-              <a:pathLst>
-                <a:path w="15560" h="24945" extrusionOk="0">
-                  <a:moveTo>
-                    <a:pt x="12596" y="0"/>
-                  </a:moveTo>
-                  <a:cubicBezTo>
-                    <a:pt x="13337" y="0"/>
-                    <a:pt x="13955" y="247"/>
-                    <a:pt x="14572" y="741"/>
-                  </a:cubicBezTo>
-                  <a:cubicBezTo>
-                    <a:pt x="15560" y="1852"/>
-                    <a:pt x="15560" y="3581"/>
-                    <a:pt x="14572" y="4569"/>
-                  </a:cubicBezTo>
-                  <a:lnTo>
-                    <a:pt x="6792" y="12349"/>
-                  </a:lnTo>
-                  <a:lnTo>
-                    <a:pt x="14572" y="20128"/>
-                  </a:lnTo>
-                  <a:cubicBezTo>
-                    <a:pt x="15560" y="21240"/>
-                    <a:pt x="15560" y="22845"/>
-                    <a:pt x="14572" y="23957"/>
-                  </a:cubicBezTo>
-                  <a:cubicBezTo>
-                    <a:pt x="13461" y="24944"/>
-                    <a:pt x="11732" y="24944"/>
-                    <a:pt x="10744" y="23957"/>
-                  </a:cubicBezTo>
-                  <a:lnTo>
-                    <a:pt x="988" y="14325"/>
-                  </a:lnTo>
-                  <a:cubicBezTo>
-                    <a:pt x="0" y="13213"/>
-                    <a:pt x="0" y="11484"/>
-                    <a:pt x="988" y="10496"/>
-                  </a:cubicBezTo>
-                  <a:lnTo>
-                    <a:pt x="10744" y="741"/>
-                  </a:lnTo>
-                  <a:cubicBezTo>
-                    <a:pt x="11238" y="247"/>
-                    <a:pt x="11979" y="0"/>
-                    <a:pt x="12596" y="0"/>
-                  </a:cubicBezTo>
-                  <a:close/>
-                </a:path>
-              </a:pathLst>
-            </a:custGeom>
-            <a:solidFill>
-              <a:schemeClr val="accent2"/>
-            </a:solidFill>
-            <a:ln>
-              <a:noFill/>
-            </a:ln>
-          </p:spPr>
-          <p:txBody>
-            <a:bodyPr spcFirstLastPara="1" wrap="square" lIns="91425" tIns="91425" rIns="91425" bIns="91425" anchor="ctr" anchorCtr="0">
-              <a:noAutofit/>
-            </a:bodyPr>
-            <a:lstStyle/>
-            <a:p>
-              <a:pPr marL="0" lvl="0" indent="0" algn="l" rtl="0">
-                <a:spcBef>
-                  <a:spcPts val="0"/>
-                </a:spcBef>
-                <a:spcAft>
-                  <a:spcPts val="0"/>
-                </a:spcAft>
-                <a:buNone/>
-              </a:pPr>
-              <a:endParaRPr/>
-            </a:p>
-          </p:txBody>
-        </p:sp>
-      </p:grpSp>
-    </p:spTree>
-    <p:extLst>
-      <p:ext uri="{BB962C8B-B14F-4D97-AF65-F5344CB8AC3E}">
-        <p14:creationId xmlns:p14="http://schemas.microsoft.com/office/powerpoint/2010/main" val="801260905"/>
-      </p:ext>
-    </p:extLst>
-  </p:cSld>
-  <p:clrMapOvr>
-    <a:masterClrMapping/>
-  </p:clrMapOvr>
-</p:sld>
-</file>
-
-<file path=ppt/slides/slide9.xml><?xml version="1.0" encoding="utf-8"?>
-<p:sld xmlns:a="http://schemas.openxmlformats.org/drawingml/2006/main" xmlns:r="http://schemas.openxmlformats.org/officeDocument/2006/relationships" xmlns:p="http://schemas.openxmlformats.org/presentationml/2006/main">
-  <p:cSld>
-    <p:spTree>
-      <p:nvGrpSpPr>
-        <p:cNvPr id="1" name="Shape 2723"/>
-        <p:cNvGrpSpPr/>
-        <p:nvPr/>
-      </p:nvGrpSpPr>
-      <p:grpSpPr>
-        <a:xfrm>
-          <a:off x="0" y="0"/>
-          <a:ext cx="0" cy="0"/>
-          <a:chOff x="0" y="0"/>
-          <a:chExt cx="0" cy="0"/>
-        </a:xfrm>
-      </p:grpSpPr>
-      <p:sp>
-        <p:nvSpPr>
-          <p:cNvPr id="2724" name="Google Shape;2724;p34"/>
-          <p:cNvSpPr txBox="1">
-            <a:spLocks noGrp="1"/>
-          </p:cNvSpPr>
-          <p:nvPr>
-            <p:ph type="title"/>
-          </p:nvPr>
-        </p:nvSpPr>
-        <p:spPr>
-          <a:xfrm>
-            <a:off x="713100" y="539400"/>
-            <a:ext cx="7717800" cy="572700"/>
-          </a:xfrm>
-          <a:prstGeom prst="rect">
-            <a:avLst/>
-          </a:prstGeom>
-          <a:effectLst>
-            <a:outerShdw blurRad="142875" algn="bl" rotWithShape="0">
-              <a:schemeClr val="accent2">
-                <a:alpha val="40000"/>
-              </a:schemeClr>
-            </a:outerShdw>
-          </a:effectLst>
-        </p:spPr>
-        <p:txBody>
-          <a:bodyPr spcFirstLastPara="1" wrap="square" lIns="91425" tIns="91425" rIns="91425" bIns="91425" anchor="ctr" anchorCtr="0">
-            <a:noAutofit/>
-          </a:bodyPr>
-          <a:lstStyle/>
-          <a:p>
-            <a:pPr marL="0" lvl="0" indent="0" algn="l" rtl="0">
-              <a:spcBef>
-                <a:spcPts val="0"/>
-              </a:spcBef>
-              <a:spcAft>
-                <a:spcPts val="0"/>
-              </a:spcAft>
-              <a:buNone/>
-            </a:pPr>
-            <a:r>
-              <a:rPr lang="en" sz="2800" dirty="0">
-                <a:solidFill>
-                  <a:schemeClr val="accent2"/>
-                </a:solidFill>
-              </a:rPr>
-              <a:t>Conclusion – Yu-Hsiu</a:t>
-            </a:r>
-            <a:endParaRPr sz="2800" dirty="0">
-              <a:solidFill>
-                <a:schemeClr val="accent2"/>
-              </a:solidFill>
-            </a:endParaRPr>
-          </a:p>
-        </p:txBody>
-      </p:sp>
-      <p:sp>
-        <p:nvSpPr>
-          <p:cNvPr id="2725" name="Google Shape;2725;p34"/>
-          <p:cNvSpPr txBox="1">
-            <a:spLocks noGrp="1"/>
-          </p:cNvSpPr>
-          <p:nvPr>
-            <p:ph type="body" idx="1"/>
-          </p:nvPr>
-        </p:nvSpPr>
-        <p:spPr>
-          <a:xfrm>
-            <a:off x="713100" y="1187700"/>
-            <a:ext cx="7717800" cy="3416400"/>
-          </a:xfrm>
-          <a:prstGeom prst="rect">
-            <a:avLst/>
-          </a:prstGeom>
-        </p:spPr>
-        <p:txBody>
-          <a:bodyPr spcFirstLastPara="1" wrap="square" lIns="91425" tIns="91425" rIns="91425" bIns="91425" anchor="t" anchorCtr="0">
-            <a:noAutofit/>
-          </a:bodyPr>
-          <a:lstStyle/>
-          <a:p>
-            <a:pPr marL="171450" lvl="0" indent="-171450" algn="l" rtl="0">
-              <a:spcBef>
-                <a:spcPts val="0"/>
-              </a:spcBef>
-              <a:spcAft>
-                <a:spcPts val="0"/>
-              </a:spcAft>
-              <a:buClr>
-                <a:schemeClr val="bg1"/>
-              </a:buClr>
-              <a:buSzPts val="1100"/>
-              <a:buFont typeface="Arial" panose="020B0604020202020204" pitchFamily="34" charset="0"/>
-              <a:buChar char="•"/>
-            </a:pPr>
-            <a:r>
-              <a:rPr lang="en-US" sz="1800" dirty="0">
-                <a:latin typeface="Arial" panose="020B0604020202020204" pitchFamily="34" charset="0"/>
-                <a:ea typeface="PMingLiU" panose="02020500000000000000" pitchFamily="18" charset="-120"/>
-              </a:rPr>
-              <a:t>Most useful: TBD</a:t>
-            </a:r>
-          </a:p>
-          <a:p>
-            <a:pPr marL="171450" lvl="0" indent="-171450" algn="l" rtl="0">
-              <a:spcBef>
-                <a:spcPts val="0"/>
-              </a:spcBef>
-              <a:spcAft>
-                <a:spcPts val="0"/>
-              </a:spcAft>
-              <a:buClr>
-                <a:schemeClr val="bg1"/>
-              </a:buClr>
-              <a:buSzPts val="1100"/>
-              <a:buFont typeface="Arial" panose="020B0604020202020204" pitchFamily="34" charset="0"/>
-              <a:buChar char="•"/>
-            </a:pPr>
-            <a:endParaRPr lang="en-US" sz="1800" dirty="0">
-              <a:latin typeface="Arial" panose="020B0604020202020204" pitchFamily="34" charset="0"/>
-              <a:ea typeface="PMingLiU" panose="02020500000000000000" pitchFamily="18" charset="-120"/>
-            </a:endParaRPr>
-          </a:p>
-          <a:p>
-            <a:pPr marL="171450" lvl="0" indent="-171450" algn="l" rtl="0">
-              <a:spcBef>
-                <a:spcPts val="0"/>
-              </a:spcBef>
-              <a:spcAft>
-                <a:spcPts val="0"/>
-              </a:spcAft>
-              <a:buClr>
-                <a:schemeClr val="bg1"/>
-              </a:buClr>
-              <a:buSzPts val="1100"/>
-              <a:buFont typeface="Arial" panose="020B0604020202020204" pitchFamily="34" charset="0"/>
-              <a:buChar char="•"/>
-            </a:pPr>
-            <a:r>
-              <a:rPr lang="en-US" sz="1800" dirty="0">
-                <a:latin typeface="Arial" panose="020B0604020202020204" pitchFamily="34" charset="0"/>
-                <a:ea typeface="PMingLiU" panose="02020500000000000000" pitchFamily="18" charset="-120"/>
-              </a:rPr>
-              <a:t>Least useful: TBD</a:t>
-            </a:r>
-          </a:p>
-          <a:p>
-            <a:pPr marL="171450" lvl="0" indent="-171450" algn="l" rtl="0">
-              <a:spcBef>
-                <a:spcPts val="0"/>
-              </a:spcBef>
-              <a:spcAft>
-                <a:spcPts val="0"/>
-              </a:spcAft>
-              <a:buClr>
-                <a:schemeClr val="bg1"/>
-              </a:buClr>
-              <a:buSzPts val="1100"/>
-              <a:buFont typeface="Arial" panose="020B0604020202020204" pitchFamily="34" charset="0"/>
-              <a:buChar char="•"/>
-            </a:pPr>
-            <a:endParaRPr lang="en-US" sz="1800" dirty="0">
-              <a:latin typeface="Arial" panose="020B0604020202020204" pitchFamily="34" charset="0"/>
-              <a:ea typeface="PMingLiU" panose="02020500000000000000" pitchFamily="18" charset="-120"/>
-            </a:endParaRPr>
-          </a:p>
-          <a:p>
-            <a:pPr marL="171450" lvl="0" indent="-171450" algn="l" rtl="0">
-              <a:spcBef>
-                <a:spcPts val="0"/>
-              </a:spcBef>
-              <a:spcAft>
-                <a:spcPts val="0"/>
-              </a:spcAft>
-              <a:buClr>
-                <a:schemeClr val="bg1"/>
-              </a:buClr>
-              <a:buSzPts val="1100"/>
-              <a:buFont typeface="Arial" panose="020B0604020202020204" pitchFamily="34" charset="0"/>
-              <a:buChar char="•"/>
-            </a:pPr>
-            <a:r>
-              <a:rPr lang="en-US" sz="1800" dirty="0">
-                <a:latin typeface="Arial" panose="020B0604020202020204" pitchFamily="34" charset="0"/>
-                <a:ea typeface="PMingLiU" panose="02020500000000000000" pitchFamily="18" charset="-120"/>
-              </a:rPr>
-              <a:t>One topic add: TBD</a:t>
-            </a:r>
-          </a:p>
-          <a:p>
-            <a:pPr marL="171450" lvl="0" indent="-171450" algn="l" rtl="0">
-              <a:spcBef>
-                <a:spcPts val="0"/>
-              </a:spcBef>
-              <a:spcAft>
-                <a:spcPts val="0"/>
-              </a:spcAft>
-              <a:buClr>
-                <a:schemeClr val="bg1"/>
-              </a:buClr>
-              <a:buSzPts val="1100"/>
-              <a:buFont typeface="Arial" panose="020B0604020202020204" pitchFamily="34" charset="0"/>
-              <a:buChar char="•"/>
-            </a:pPr>
-            <a:endParaRPr lang="en-US" sz="1800" dirty="0">
-              <a:latin typeface="Arial" panose="020B0604020202020204" pitchFamily="34" charset="0"/>
-              <a:ea typeface="PMingLiU" panose="02020500000000000000" pitchFamily="18" charset="-120"/>
-            </a:endParaRPr>
-          </a:p>
-          <a:p>
-            <a:pPr marL="171450" lvl="0" indent="-171450" algn="l" rtl="0">
-              <a:spcBef>
-                <a:spcPts val="0"/>
-              </a:spcBef>
-              <a:spcAft>
-                <a:spcPts val="0"/>
-              </a:spcAft>
-              <a:buClr>
-                <a:schemeClr val="bg1"/>
-              </a:buClr>
-              <a:buSzPts val="1100"/>
-              <a:buFont typeface="Arial" panose="020B0604020202020204" pitchFamily="34" charset="0"/>
-              <a:buChar char="•"/>
-            </a:pPr>
-            <a:r>
-              <a:rPr lang="en-US" sz="1800" dirty="0">
-                <a:latin typeface="Arial" panose="020B0604020202020204" pitchFamily="34" charset="0"/>
-                <a:ea typeface="PMingLiU" panose="02020500000000000000" pitchFamily="18" charset="-120"/>
-              </a:rPr>
-              <a:t>On topic remove: TBD</a:t>
-            </a:r>
-          </a:p>
-          <a:p>
-            <a:pPr marL="171450" lvl="0" indent="-171450" algn="l" rtl="0">
-              <a:spcBef>
-                <a:spcPts val="0"/>
-              </a:spcBef>
-              <a:spcAft>
-                <a:spcPts val="0"/>
-              </a:spcAft>
-              <a:buClr>
-                <a:schemeClr val="bg1"/>
-              </a:buClr>
-              <a:buSzPts val="1100"/>
-              <a:buFont typeface="Arial" panose="020B0604020202020204" pitchFamily="34" charset="0"/>
-              <a:buChar char="•"/>
-            </a:pPr>
-            <a:endParaRPr lang="en-US" sz="1800" dirty="0">
-              <a:latin typeface="Arial" panose="020B0604020202020204" pitchFamily="34" charset="0"/>
-              <a:ea typeface="PMingLiU" panose="02020500000000000000" pitchFamily="18" charset="-120"/>
-            </a:endParaRPr>
-          </a:p>
-          <a:p>
-            <a:pPr marL="171450" lvl="0" indent="-171450" algn="l" rtl="0">
-              <a:spcBef>
-                <a:spcPts val="0"/>
-              </a:spcBef>
-              <a:spcAft>
-                <a:spcPts val="0"/>
-              </a:spcAft>
-              <a:buClr>
-                <a:schemeClr val="dk1"/>
-              </a:buClr>
-              <a:buSzPts val="1100"/>
-              <a:buFont typeface="Arial" panose="020B0604020202020204" pitchFamily="34" charset="0"/>
-              <a:buChar char="•"/>
-            </a:pPr>
-            <a:endParaRPr dirty="0"/>
-          </a:p>
-        </p:txBody>
-      </p:sp>
-      <p:grpSp>
-        <p:nvGrpSpPr>
-          <p:cNvPr id="2726" name="Google Shape;2726;p34"/>
-          <p:cNvGrpSpPr/>
-          <p:nvPr/>
-        </p:nvGrpSpPr>
-        <p:grpSpPr>
-          <a:xfrm>
-            <a:off x="7126489" y="852727"/>
-            <a:ext cx="883262" cy="242091"/>
-            <a:chOff x="2300350" y="2601250"/>
-            <a:chExt cx="2275275" cy="623625"/>
-          </a:xfrm>
-        </p:grpSpPr>
-        <p:sp>
-          <p:nvSpPr>
-            <p:cNvPr id="2727" name="Google Shape;2727;p34"/>
-            <p:cNvSpPr/>
-            <p:nvPr/>
-          </p:nvSpPr>
-          <p:spPr>
-            <a:xfrm>
-              <a:off x="2300350" y="2601250"/>
-              <a:ext cx="392100" cy="623625"/>
-            </a:xfrm>
-            <a:custGeom>
-              <a:avLst/>
-              <a:gdLst/>
-              <a:ahLst/>
-              <a:cxnLst/>
-              <a:rect l="l" t="t" r="r" b="b"/>
-              <a:pathLst>
-                <a:path w="15684" h="24945" extrusionOk="0">
-                  <a:moveTo>
-                    <a:pt x="12720" y="0"/>
-                  </a:moveTo>
-                  <a:cubicBezTo>
-                    <a:pt x="13337" y="0"/>
-                    <a:pt x="14078" y="247"/>
-                    <a:pt x="14572" y="741"/>
-                  </a:cubicBezTo>
-                  <a:cubicBezTo>
-                    <a:pt x="15684" y="1852"/>
-                    <a:pt x="15684" y="3581"/>
-                    <a:pt x="14572" y="4569"/>
-                  </a:cubicBezTo>
-                  <a:lnTo>
-                    <a:pt x="6792" y="12349"/>
-                  </a:lnTo>
-                  <a:lnTo>
-                    <a:pt x="14572" y="20128"/>
-                  </a:lnTo>
-                  <a:cubicBezTo>
-                    <a:pt x="15684" y="21240"/>
-                    <a:pt x="15684" y="22845"/>
-                    <a:pt x="14572" y="23957"/>
-                  </a:cubicBezTo>
-                  <a:cubicBezTo>
-                    <a:pt x="13584" y="24944"/>
-                    <a:pt x="11855" y="24944"/>
-                    <a:pt x="10744" y="23957"/>
-                  </a:cubicBezTo>
-                  <a:lnTo>
-                    <a:pt x="1112" y="14325"/>
-                  </a:lnTo>
-                  <a:cubicBezTo>
-                    <a:pt x="1" y="13213"/>
-                    <a:pt x="1" y="11484"/>
-                    <a:pt x="1112" y="10496"/>
-                  </a:cubicBezTo>
-                  <a:lnTo>
-                    <a:pt x="10744" y="741"/>
-                  </a:lnTo>
-                  <a:cubicBezTo>
-                    <a:pt x="11361" y="247"/>
-                    <a:pt x="11979" y="0"/>
-                    <a:pt x="12720" y="0"/>
-                  </a:cubicBezTo>
-                  <a:close/>
-                </a:path>
-              </a:pathLst>
-            </a:custGeom>
-            <a:solidFill>
-              <a:schemeClr val="accent2"/>
-            </a:solidFill>
-            <a:ln>
-              <a:noFill/>
-            </a:ln>
-          </p:spPr>
-          <p:txBody>
-            <a:bodyPr spcFirstLastPara="1" wrap="square" lIns="91425" tIns="91425" rIns="91425" bIns="91425" anchor="ctr" anchorCtr="0">
-              <a:noAutofit/>
-            </a:bodyPr>
-            <a:lstStyle/>
-            <a:p>
-              <a:pPr marL="0" lvl="0" indent="0" algn="l" rtl="0">
-                <a:spcBef>
-                  <a:spcPts val="0"/>
-                </a:spcBef>
-                <a:spcAft>
-                  <a:spcPts val="0"/>
-                </a:spcAft>
-                <a:buNone/>
-              </a:pPr>
-              <a:endParaRPr/>
-            </a:p>
-          </p:txBody>
-        </p:sp>
-        <p:sp>
-          <p:nvSpPr>
-            <p:cNvPr id="2728" name="Google Shape;2728;p34"/>
-            <p:cNvSpPr/>
-            <p:nvPr/>
-          </p:nvSpPr>
-          <p:spPr>
-            <a:xfrm>
-              <a:off x="2680075" y="2601250"/>
-              <a:ext cx="389025" cy="623625"/>
-            </a:xfrm>
-            <a:custGeom>
-              <a:avLst/>
-              <a:gdLst/>
-              <a:ahLst/>
-              <a:cxnLst/>
-              <a:rect l="l" t="t" r="r" b="b"/>
-              <a:pathLst>
-                <a:path w="15561" h="24945" extrusionOk="0">
-                  <a:moveTo>
-                    <a:pt x="12596" y="0"/>
-                  </a:moveTo>
-                  <a:cubicBezTo>
-                    <a:pt x="13337" y="0"/>
-                    <a:pt x="13955" y="247"/>
-                    <a:pt x="14449" y="741"/>
-                  </a:cubicBezTo>
-                  <a:cubicBezTo>
-                    <a:pt x="15560" y="1852"/>
-                    <a:pt x="15560" y="3581"/>
-                    <a:pt x="14449" y="4569"/>
-                  </a:cubicBezTo>
-                  <a:lnTo>
-                    <a:pt x="6669" y="12349"/>
-                  </a:lnTo>
-                  <a:lnTo>
-                    <a:pt x="14449" y="20128"/>
-                  </a:lnTo>
-                  <a:cubicBezTo>
-                    <a:pt x="15560" y="21240"/>
-                    <a:pt x="15560" y="22845"/>
-                    <a:pt x="14449" y="23957"/>
-                  </a:cubicBezTo>
-                  <a:cubicBezTo>
-                    <a:pt x="13461" y="24944"/>
-                    <a:pt x="11732" y="24944"/>
-                    <a:pt x="10621" y="23957"/>
-                  </a:cubicBezTo>
-                  <a:lnTo>
-                    <a:pt x="988" y="14325"/>
-                  </a:lnTo>
-                  <a:cubicBezTo>
-                    <a:pt x="1" y="13213"/>
-                    <a:pt x="1" y="11484"/>
-                    <a:pt x="988" y="10496"/>
-                  </a:cubicBezTo>
-                  <a:lnTo>
-                    <a:pt x="10621" y="741"/>
-                  </a:lnTo>
-                  <a:cubicBezTo>
-                    <a:pt x="11238" y="247"/>
-                    <a:pt x="11855" y="0"/>
-                    <a:pt x="12596" y="0"/>
-                  </a:cubicBezTo>
-                  <a:close/>
-                </a:path>
-              </a:pathLst>
-            </a:custGeom>
-            <a:solidFill>
-              <a:schemeClr val="accent2"/>
-            </a:solidFill>
-            <a:ln>
-              <a:noFill/>
-            </a:ln>
-          </p:spPr>
-          <p:txBody>
-            <a:bodyPr spcFirstLastPara="1" wrap="square" lIns="91425" tIns="91425" rIns="91425" bIns="91425" anchor="ctr" anchorCtr="0">
-              <a:noAutofit/>
-            </a:bodyPr>
-            <a:lstStyle/>
-            <a:p>
-              <a:pPr marL="0" lvl="0" indent="0" algn="l" rtl="0">
-                <a:spcBef>
-                  <a:spcPts val="0"/>
-                </a:spcBef>
-                <a:spcAft>
-                  <a:spcPts val="0"/>
-                </a:spcAft>
-                <a:buNone/>
-              </a:pPr>
-              <a:endParaRPr/>
-            </a:p>
-          </p:txBody>
-        </p:sp>
-        <p:sp>
-          <p:nvSpPr>
-            <p:cNvPr id="2729" name="Google Shape;2729;p34"/>
-            <p:cNvSpPr/>
-            <p:nvPr/>
-          </p:nvSpPr>
-          <p:spPr>
-            <a:xfrm>
-              <a:off x="3056725" y="2601250"/>
-              <a:ext cx="389000" cy="623625"/>
-            </a:xfrm>
-            <a:custGeom>
-              <a:avLst/>
-              <a:gdLst/>
-              <a:ahLst/>
-              <a:cxnLst/>
-              <a:rect l="l" t="t" r="r" b="b"/>
-              <a:pathLst>
-                <a:path w="15560" h="24945" extrusionOk="0">
-                  <a:moveTo>
-                    <a:pt x="12596" y="0"/>
-                  </a:moveTo>
-                  <a:cubicBezTo>
-                    <a:pt x="13337" y="0"/>
-                    <a:pt x="13954" y="247"/>
-                    <a:pt x="14448" y="741"/>
-                  </a:cubicBezTo>
-                  <a:cubicBezTo>
-                    <a:pt x="15559" y="1852"/>
-                    <a:pt x="15559" y="3581"/>
-                    <a:pt x="14448" y="4569"/>
-                  </a:cubicBezTo>
-                  <a:lnTo>
-                    <a:pt x="6792" y="12349"/>
-                  </a:lnTo>
-                  <a:lnTo>
-                    <a:pt x="14448" y="20128"/>
-                  </a:lnTo>
-                  <a:cubicBezTo>
-                    <a:pt x="15559" y="21240"/>
-                    <a:pt x="15559" y="22845"/>
-                    <a:pt x="14448" y="23957"/>
-                  </a:cubicBezTo>
-                  <a:cubicBezTo>
-                    <a:pt x="13460" y="24944"/>
-                    <a:pt x="11731" y="24944"/>
-                    <a:pt x="10743" y="23957"/>
-                  </a:cubicBezTo>
-                  <a:lnTo>
-                    <a:pt x="988" y="14325"/>
-                  </a:lnTo>
-                  <a:cubicBezTo>
-                    <a:pt x="0" y="13213"/>
-                    <a:pt x="0" y="11484"/>
-                    <a:pt x="988" y="10496"/>
-                  </a:cubicBezTo>
-                  <a:lnTo>
-                    <a:pt x="10743" y="741"/>
-                  </a:lnTo>
-                  <a:cubicBezTo>
-                    <a:pt x="11237" y="247"/>
-                    <a:pt x="11855" y="0"/>
-                    <a:pt x="12596" y="0"/>
-                  </a:cubicBezTo>
-                  <a:close/>
-                </a:path>
-              </a:pathLst>
-            </a:custGeom>
-            <a:solidFill>
-              <a:schemeClr val="accent2"/>
-            </a:solidFill>
-            <a:ln>
-              <a:noFill/>
-            </a:ln>
-          </p:spPr>
-          <p:txBody>
-            <a:bodyPr spcFirstLastPara="1" wrap="square" lIns="91425" tIns="91425" rIns="91425" bIns="91425" anchor="ctr" anchorCtr="0">
-              <a:noAutofit/>
-            </a:bodyPr>
-            <a:lstStyle/>
-            <a:p>
-              <a:pPr marL="0" lvl="0" indent="0" algn="l" rtl="0">
-                <a:spcBef>
-                  <a:spcPts val="0"/>
-                </a:spcBef>
-                <a:spcAft>
-                  <a:spcPts val="0"/>
-                </a:spcAft>
-                <a:buNone/>
-              </a:pPr>
-              <a:endParaRPr/>
-            </a:p>
-          </p:txBody>
-        </p:sp>
-        <p:sp>
-          <p:nvSpPr>
-            <p:cNvPr id="2730" name="Google Shape;2730;p34"/>
-            <p:cNvSpPr/>
-            <p:nvPr/>
-          </p:nvSpPr>
-          <p:spPr>
-            <a:xfrm>
-              <a:off x="3433350" y="2601250"/>
-              <a:ext cx="389000" cy="623625"/>
-            </a:xfrm>
-            <a:custGeom>
-              <a:avLst/>
-              <a:gdLst/>
-              <a:ahLst/>
-              <a:cxnLst/>
-              <a:rect l="l" t="t" r="r" b="b"/>
-              <a:pathLst>
-                <a:path w="15560" h="24945" extrusionOk="0">
-                  <a:moveTo>
-                    <a:pt x="12596" y="0"/>
-                  </a:moveTo>
-                  <a:cubicBezTo>
-                    <a:pt x="13337" y="0"/>
-                    <a:pt x="13955" y="247"/>
-                    <a:pt x="14572" y="741"/>
-                  </a:cubicBezTo>
-                  <a:cubicBezTo>
-                    <a:pt x="15560" y="1852"/>
-                    <a:pt x="15560" y="3581"/>
-                    <a:pt x="14572" y="4569"/>
-                  </a:cubicBezTo>
-                  <a:lnTo>
-                    <a:pt x="6792" y="12349"/>
-                  </a:lnTo>
-                  <a:lnTo>
-                    <a:pt x="14572" y="20128"/>
-                  </a:lnTo>
-                  <a:cubicBezTo>
-                    <a:pt x="15560" y="21240"/>
-                    <a:pt x="15560" y="22845"/>
-                    <a:pt x="14572" y="23957"/>
-                  </a:cubicBezTo>
-                  <a:cubicBezTo>
-                    <a:pt x="13461" y="24944"/>
-                    <a:pt x="11732" y="24944"/>
-                    <a:pt x="10744" y="23957"/>
-                  </a:cubicBezTo>
-                  <a:lnTo>
-                    <a:pt x="988" y="14325"/>
-                  </a:lnTo>
-                  <a:cubicBezTo>
-                    <a:pt x="1" y="13213"/>
-                    <a:pt x="1" y="11484"/>
-                    <a:pt x="988" y="10496"/>
-                  </a:cubicBezTo>
-                  <a:lnTo>
-                    <a:pt x="10744" y="741"/>
-                  </a:lnTo>
-                  <a:cubicBezTo>
-                    <a:pt x="11238" y="247"/>
-                    <a:pt x="11979" y="0"/>
-                    <a:pt x="12596" y="0"/>
-                  </a:cubicBezTo>
-                  <a:close/>
-                </a:path>
-              </a:pathLst>
-            </a:custGeom>
-            <a:solidFill>
-              <a:schemeClr val="accent2"/>
-            </a:solidFill>
-            <a:ln>
-              <a:noFill/>
-            </a:ln>
-          </p:spPr>
-          <p:txBody>
-            <a:bodyPr spcFirstLastPara="1" wrap="square" lIns="91425" tIns="91425" rIns="91425" bIns="91425" anchor="ctr" anchorCtr="0">
-              <a:noAutofit/>
-            </a:bodyPr>
-            <a:lstStyle/>
-            <a:p>
-              <a:pPr marL="0" lvl="0" indent="0" algn="l" rtl="0">
-                <a:spcBef>
-                  <a:spcPts val="0"/>
-                </a:spcBef>
-                <a:spcAft>
-                  <a:spcPts val="0"/>
-                </a:spcAft>
-                <a:buNone/>
-              </a:pPr>
-              <a:endParaRPr/>
-            </a:p>
-          </p:txBody>
-        </p:sp>
-        <p:sp>
-          <p:nvSpPr>
-            <p:cNvPr id="2731" name="Google Shape;2731;p34"/>
-            <p:cNvSpPr/>
-            <p:nvPr/>
-          </p:nvSpPr>
-          <p:spPr>
-            <a:xfrm>
-              <a:off x="3810000" y="2601250"/>
-              <a:ext cx="389000" cy="623625"/>
-            </a:xfrm>
-            <a:custGeom>
-              <a:avLst/>
-              <a:gdLst/>
-              <a:ahLst/>
-              <a:cxnLst/>
-              <a:rect l="l" t="t" r="r" b="b"/>
-              <a:pathLst>
-                <a:path w="15560" h="24945" extrusionOk="0">
-                  <a:moveTo>
-                    <a:pt x="12596" y="0"/>
-                  </a:moveTo>
-                  <a:cubicBezTo>
-                    <a:pt x="13337" y="0"/>
-                    <a:pt x="13954" y="247"/>
-                    <a:pt x="14572" y="741"/>
-                  </a:cubicBezTo>
-                  <a:cubicBezTo>
-                    <a:pt x="15559" y="1852"/>
-                    <a:pt x="15559" y="3581"/>
-                    <a:pt x="14572" y="4569"/>
-                  </a:cubicBezTo>
-                  <a:lnTo>
-                    <a:pt x="6792" y="12349"/>
-                  </a:lnTo>
-                  <a:lnTo>
-                    <a:pt x="14572" y="20128"/>
-                  </a:lnTo>
-                  <a:cubicBezTo>
-                    <a:pt x="15559" y="21240"/>
-                    <a:pt x="15559" y="22845"/>
-                    <a:pt x="14572" y="23957"/>
-                  </a:cubicBezTo>
-                  <a:cubicBezTo>
-                    <a:pt x="13460" y="24944"/>
-                    <a:pt x="11731" y="24944"/>
-                    <a:pt x="10743" y="23957"/>
-                  </a:cubicBezTo>
-                  <a:lnTo>
-                    <a:pt x="988" y="14325"/>
-                  </a:lnTo>
-                  <a:cubicBezTo>
-                    <a:pt x="0" y="13213"/>
-                    <a:pt x="0" y="11484"/>
-                    <a:pt x="988" y="10496"/>
-                  </a:cubicBezTo>
-                  <a:lnTo>
-                    <a:pt x="10743" y="741"/>
-                  </a:lnTo>
-                  <a:cubicBezTo>
-                    <a:pt x="11237" y="247"/>
-                    <a:pt x="11978" y="0"/>
-                    <a:pt x="12596" y="0"/>
-                  </a:cubicBezTo>
-                  <a:close/>
-                </a:path>
-              </a:pathLst>
-            </a:custGeom>
-            <a:solidFill>
-              <a:schemeClr val="accent2"/>
-            </a:solidFill>
-            <a:ln>
-              <a:noFill/>
-            </a:ln>
-          </p:spPr>
-          <p:txBody>
-            <a:bodyPr spcFirstLastPara="1" wrap="square" lIns="91425" tIns="91425" rIns="91425" bIns="91425" anchor="ctr" anchorCtr="0">
-              <a:noAutofit/>
-            </a:bodyPr>
-            <a:lstStyle/>
-            <a:p>
-              <a:pPr marL="0" lvl="0" indent="0" algn="l" rtl="0">
-                <a:spcBef>
-                  <a:spcPts val="0"/>
-                </a:spcBef>
-                <a:spcAft>
-                  <a:spcPts val="0"/>
-                </a:spcAft>
-                <a:buNone/>
-              </a:pPr>
-              <a:endParaRPr/>
-            </a:p>
-          </p:txBody>
-        </p:sp>
-        <p:sp>
-          <p:nvSpPr>
-            <p:cNvPr id="2732" name="Google Shape;2732;p34"/>
-            <p:cNvSpPr/>
-            <p:nvPr/>
-          </p:nvSpPr>
-          <p:spPr>
-            <a:xfrm>
-              <a:off x="4186625" y="2601250"/>
-              <a:ext cx="389000" cy="623625"/>
-            </a:xfrm>
-            <a:custGeom>
-              <a:avLst/>
-              <a:gdLst/>
-              <a:ahLst/>
-              <a:cxnLst/>
-              <a:rect l="l" t="t" r="r" b="b"/>
-              <a:pathLst>
-                <a:path w="15560" h="24945" extrusionOk="0">
-                  <a:moveTo>
-                    <a:pt x="12596" y="0"/>
-                  </a:moveTo>
-                  <a:cubicBezTo>
-                    <a:pt x="13337" y="0"/>
-                    <a:pt x="13955" y="247"/>
-                    <a:pt x="14572" y="741"/>
-                  </a:cubicBezTo>
-                  <a:cubicBezTo>
-                    <a:pt x="15560" y="1852"/>
-                    <a:pt x="15560" y="3581"/>
-                    <a:pt x="14572" y="4569"/>
-                  </a:cubicBezTo>
-                  <a:lnTo>
-                    <a:pt x="6792" y="12349"/>
-                  </a:lnTo>
-                  <a:lnTo>
-                    <a:pt x="14572" y="20128"/>
-                  </a:lnTo>
-                  <a:cubicBezTo>
-                    <a:pt x="15560" y="21240"/>
-                    <a:pt x="15560" y="22845"/>
-                    <a:pt x="14572" y="23957"/>
-                  </a:cubicBezTo>
-                  <a:cubicBezTo>
-                    <a:pt x="13461" y="24944"/>
-                    <a:pt x="11732" y="24944"/>
-                    <a:pt x="10744" y="23957"/>
-                  </a:cubicBezTo>
-                  <a:lnTo>
-                    <a:pt x="988" y="14325"/>
-                  </a:lnTo>
-                  <a:cubicBezTo>
-                    <a:pt x="0" y="13213"/>
-                    <a:pt x="0" y="11484"/>
-                    <a:pt x="988" y="10496"/>
-                  </a:cubicBezTo>
-                  <a:lnTo>
-                    <a:pt x="10744" y="741"/>
-                  </a:lnTo>
-                  <a:cubicBezTo>
-                    <a:pt x="11238" y="247"/>
-                    <a:pt x="11979" y="0"/>
-                    <a:pt x="12596" y="0"/>
-                  </a:cubicBezTo>
-                  <a:close/>
-                </a:path>
-              </a:pathLst>
-            </a:custGeom>
-            <a:solidFill>
-              <a:schemeClr val="accent2"/>
-            </a:solidFill>
-            <a:ln>
-              <a:noFill/>
-            </a:ln>
-          </p:spPr>
-          <p:txBody>
-            <a:bodyPr spcFirstLastPara="1" wrap="square" lIns="91425" tIns="91425" rIns="91425" bIns="91425" anchor="ctr" anchorCtr="0">
-              <a:noAutofit/>
-            </a:bodyPr>
-            <a:lstStyle/>
-            <a:p>
-              <a:pPr marL="0" lvl="0" indent="0" algn="l" rtl="0">
-                <a:spcBef>
-                  <a:spcPts val="0"/>
-                </a:spcBef>
-                <a:spcAft>
-                  <a:spcPts val="0"/>
-                </a:spcAft>
-                <a:buNone/>
-              </a:pPr>
-              <a:endParaRPr/>
-            </a:p>
-          </p:txBody>
-        </p:sp>
-      </p:grpSp>
-    </p:spTree>
-    <p:extLst>
-      <p:ext uri="{BB962C8B-B14F-4D97-AF65-F5344CB8AC3E}">
-        <p14:creationId xmlns:p14="http://schemas.microsoft.com/office/powerpoint/2010/main" val="2518853748"/>
       </p:ext>
     </p:extLst>
   </p:cSld>
